--- a/Презентация.  Тренажер решения уравнения.pptx
+++ b/Презентация.  Тренажер решения уравнения.pptx
@@ -4057,10 +4057,10 @@
       </p:sp>
       <p:pic>
         <p:nvPicPr>
-          <p:cNvPr id="8" name="Рисунок 7">
-            <a:extLst>
-              <a:ext uri="{FF2B5EF4-FFF2-40B4-BE49-F238E27FC236}">
-                <a16:creationId xmlns:a16="http://schemas.microsoft.com/office/drawing/2014/main" id="{1769A98C-3C05-F2F1-2CE3-9751436670DB}"/>
+          <p:cNvPr id="5" name="Рисунок 4">
+            <a:extLst>
+              <a:ext uri="{FF2B5EF4-FFF2-40B4-BE49-F238E27FC236}">
+                <a16:creationId xmlns:a16="http://schemas.microsoft.com/office/drawing/2014/main" id="{B7A0FBF5-AC78-B0C4-57A5-D64DCF3349D4}"/>
               </a:ext>
             </a:extLst>
           </p:cNvPr>
@@ -4083,8 +4083,8 @@
         </p:blipFill>
         <p:spPr>
           <a:xfrm>
-            <a:off x="1246330" y="246607"/>
-            <a:ext cx="4500441" cy="6364786"/>
+            <a:off x="982502" y="158123"/>
+            <a:ext cx="4753877" cy="6461751"/>
           </a:xfrm>
           <a:prstGeom prst="rect">
             <a:avLst/>

--- a/Презентация.  Тренажер решения уравнения.pptx
+++ b/Презентация.  Тренажер решения уравнения.pptx
@@ -12,7 +12,8 @@
     <p:sldId id="260" r:id="rId6"/>
     <p:sldId id="261" r:id="rId7"/>
     <p:sldId id="263" r:id="rId8"/>
-    <p:sldId id="262" r:id="rId9"/>
+    <p:sldId id="264" r:id="rId9"/>
+    <p:sldId id="262" r:id="rId10"/>
   </p:sldIdLst>
   <p:sldSz cx="12192000" cy="6858000"/>
   <p:notesSz cx="6858000" cy="9144000"/>
@@ -266,7 +267,7 @@
           <a:p>
             <a:fld id="{F8E8F3B0-4B07-478A-ADBD-B4202A2F879F}" type="datetimeFigureOut">
               <a:rPr lang="ru-RU" smtClean="0"/>
-              <a:t>14.01.2025</a:t>
+              <a:t>21.01.2025</a:t>
             </a:fld>
             <a:endParaRPr lang="ru-RU"/>
           </a:p>
@@ -464,7 +465,7 @@
           <a:p>
             <a:fld id="{F8E8F3B0-4B07-478A-ADBD-B4202A2F879F}" type="datetimeFigureOut">
               <a:rPr lang="ru-RU" smtClean="0"/>
-              <a:t>14.01.2025</a:t>
+              <a:t>21.01.2025</a:t>
             </a:fld>
             <a:endParaRPr lang="ru-RU"/>
           </a:p>
@@ -672,7 +673,7 @@
           <a:p>
             <a:fld id="{F8E8F3B0-4B07-478A-ADBD-B4202A2F879F}" type="datetimeFigureOut">
               <a:rPr lang="ru-RU" smtClean="0"/>
-              <a:t>14.01.2025</a:t>
+              <a:t>21.01.2025</a:t>
             </a:fld>
             <a:endParaRPr lang="ru-RU"/>
           </a:p>
@@ -870,7 +871,7 @@
           <a:p>
             <a:fld id="{F8E8F3B0-4B07-478A-ADBD-B4202A2F879F}" type="datetimeFigureOut">
               <a:rPr lang="ru-RU" smtClean="0"/>
-              <a:t>14.01.2025</a:t>
+              <a:t>21.01.2025</a:t>
             </a:fld>
             <a:endParaRPr lang="ru-RU"/>
           </a:p>
@@ -1145,7 +1146,7 @@
           <a:p>
             <a:fld id="{F8E8F3B0-4B07-478A-ADBD-B4202A2F879F}" type="datetimeFigureOut">
               <a:rPr lang="ru-RU" smtClean="0"/>
-              <a:t>14.01.2025</a:t>
+              <a:t>21.01.2025</a:t>
             </a:fld>
             <a:endParaRPr lang="ru-RU"/>
           </a:p>
@@ -1410,7 +1411,7 @@
           <a:p>
             <a:fld id="{F8E8F3B0-4B07-478A-ADBD-B4202A2F879F}" type="datetimeFigureOut">
               <a:rPr lang="ru-RU" smtClean="0"/>
-              <a:t>14.01.2025</a:t>
+              <a:t>21.01.2025</a:t>
             </a:fld>
             <a:endParaRPr lang="ru-RU"/>
           </a:p>
@@ -1822,7 +1823,7 @@
           <a:p>
             <a:fld id="{F8E8F3B0-4B07-478A-ADBD-B4202A2F879F}" type="datetimeFigureOut">
               <a:rPr lang="ru-RU" smtClean="0"/>
-              <a:t>14.01.2025</a:t>
+              <a:t>21.01.2025</a:t>
             </a:fld>
             <a:endParaRPr lang="ru-RU"/>
           </a:p>
@@ -1963,7 +1964,7 @@
           <a:p>
             <a:fld id="{F8E8F3B0-4B07-478A-ADBD-B4202A2F879F}" type="datetimeFigureOut">
               <a:rPr lang="ru-RU" smtClean="0"/>
-              <a:t>14.01.2025</a:t>
+              <a:t>21.01.2025</a:t>
             </a:fld>
             <a:endParaRPr lang="ru-RU"/>
           </a:p>
@@ -2076,7 +2077,7 @@
           <a:p>
             <a:fld id="{F8E8F3B0-4B07-478A-ADBD-B4202A2F879F}" type="datetimeFigureOut">
               <a:rPr lang="ru-RU" smtClean="0"/>
-              <a:t>14.01.2025</a:t>
+              <a:t>21.01.2025</a:t>
             </a:fld>
             <a:endParaRPr lang="ru-RU"/>
           </a:p>
@@ -2387,7 +2388,7 @@
           <a:p>
             <a:fld id="{F8E8F3B0-4B07-478A-ADBD-B4202A2F879F}" type="datetimeFigureOut">
               <a:rPr lang="ru-RU" smtClean="0"/>
-              <a:t>14.01.2025</a:t>
+              <a:t>21.01.2025</a:t>
             </a:fld>
             <a:endParaRPr lang="ru-RU"/>
           </a:p>
@@ -2675,7 +2676,7 @@
           <a:p>
             <a:fld id="{F8E8F3B0-4B07-478A-ADBD-B4202A2F879F}" type="datetimeFigureOut">
               <a:rPr lang="ru-RU" smtClean="0"/>
-              <a:t>14.01.2025</a:t>
+              <a:t>21.01.2025</a:t>
             </a:fld>
             <a:endParaRPr lang="ru-RU"/>
           </a:p>
@@ -2916,7 +2917,7 @@
           <a:p>
             <a:fld id="{F8E8F3B0-4B07-478A-ADBD-B4202A2F879F}" type="datetimeFigureOut">
               <a:rPr lang="ru-RU" smtClean="0"/>
-              <a:t>14.01.2025</a:t>
+              <a:t>21.01.2025</a:t>
             </a:fld>
             <a:endParaRPr lang="ru-RU"/>
           </a:p>
@@ -3361,7 +3362,7 @@
         </p:nvSpPr>
         <p:spPr>
           <a:xfrm>
-            <a:off x="3122952" y="1204553"/>
+            <a:off x="1564497" y="2293882"/>
             <a:ext cx="9183348" cy="923330"/>
           </a:xfrm>
           <a:prstGeom prst="rect">
@@ -4057,10 +4058,10 @@
       </p:sp>
       <p:pic>
         <p:nvPicPr>
-          <p:cNvPr id="5" name="Рисунок 4">
-            <a:extLst>
-              <a:ext uri="{FF2B5EF4-FFF2-40B4-BE49-F238E27FC236}">
-                <a16:creationId xmlns:a16="http://schemas.microsoft.com/office/drawing/2014/main" id="{B7A0FBF5-AC78-B0C4-57A5-D64DCF3349D4}"/>
+          <p:cNvPr id="3" name="Рисунок 2">
+            <a:extLst>
+              <a:ext uri="{FF2B5EF4-FFF2-40B4-BE49-F238E27FC236}">
+                <a16:creationId xmlns:a16="http://schemas.microsoft.com/office/drawing/2014/main" id="{8160F4B6-8BAB-1BB3-80C8-108B45047B93}"/>
               </a:ext>
             </a:extLst>
           </p:cNvPr>
@@ -4083,8 +4084,8 @@
         </p:blipFill>
         <p:spPr>
           <a:xfrm>
-            <a:off x="982502" y="158123"/>
-            <a:ext cx="4753877" cy="6461751"/>
+            <a:off x="911503" y="246491"/>
+            <a:ext cx="5036073" cy="6361043"/>
           </a:xfrm>
           <a:prstGeom prst="rect">
             <a:avLst/>
@@ -6266,6 +6267,314 @@
 </file>
 
 <file path=ppt/slides/slide8.xml><?xml version="1.0" encoding="utf-8"?>
+<p:sld xmlns:a="http://schemas.openxmlformats.org/drawingml/2006/main" xmlns:r="http://schemas.openxmlformats.org/officeDocument/2006/relationships" xmlns:p="http://schemas.openxmlformats.org/presentationml/2006/main">
+  <p:cSld>
+    <p:bg>
+      <p:bgPr>
+        <a:blipFill dpi="0" rotWithShape="1">
+          <a:blip r:embed="rId2">
+            <a:lum/>
+          </a:blip>
+          <a:srcRect/>
+          <a:stretch>
+            <a:fillRect l="-1000" r="-1000"/>
+          </a:stretch>
+        </a:blipFill>
+        <a:effectLst/>
+      </p:bgPr>
+    </p:bg>
+    <p:spTree>
+      <p:nvGrpSpPr>
+        <p:cNvPr id="1" name="">
+          <a:extLst>
+            <a:ext uri="{FF2B5EF4-FFF2-40B4-BE49-F238E27FC236}">
+              <a16:creationId xmlns:a16="http://schemas.microsoft.com/office/drawing/2014/main" id="{2A391581-F5BE-B274-98B5-046F2029BB55}"/>
+            </a:ext>
+          </a:extLst>
+        </p:cNvPr>
+        <p:cNvGrpSpPr/>
+        <p:nvPr/>
+      </p:nvGrpSpPr>
+      <p:grpSpPr>
+        <a:xfrm>
+          <a:off x="0" y="0"/>
+          <a:ext cx="0" cy="0"/>
+          <a:chOff x="0" y="0"/>
+          <a:chExt cx="0" cy="0"/>
+        </a:xfrm>
+      </p:grpSpPr>
+      <p:sp>
+        <p:nvSpPr>
+          <p:cNvPr id="4" name="TextBox 3">
+            <a:extLst>
+              <a:ext uri="{FF2B5EF4-FFF2-40B4-BE49-F238E27FC236}">
+                <a16:creationId xmlns:a16="http://schemas.microsoft.com/office/drawing/2014/main" id="{3547DE1A-5D6B-E8F7-A2AE-85773C571CC7}"/>
+              </a:ext>
+            </a:extLst>
+          </p:cNvPr>
+          <p:cNvSpPr txBox="1"/>
+          <p:nvPr/>
+        </p:nvSpPr>
+        <p:spPr>
+          <a:xfrm>
+            <a:off x="869866" y="391863"/>
+            <a:ext cx="7829036" cy="707886"/>
+          </a:xfrm>
+          <a:prstGeom prst="rect">
+            <a:avLst/>
+          </a:prstGeom>
+          <a:noFill/>
+        </p:spPr>
+        <p:txBody>
+          <a:bodyPr wrap="square" rtlCol="0">
+            <a:spAutoFit/>
+          </a:bodyPr>
+          <a:lstStyle/>
+          <a:p>
+            <a:r>
+              <a:rPr lang="ru-RU" sz="4000" dirty="0">
+                <a:solidFill>
+                  <a:srgbClr val="015C6F"/>
+                </a:solidFill>
+                <a:effectLst/>
+                <a:latin typeface="Calibri" panose="020F0502020204030204" pitchFamily="34" charset="0"/>
+                <a:ea typeface="Calibri" panose="020F0502020204030204" pitchFamily="34" charset="0"/>
+                <a:cs typeface="Times New Roman" panose="02020603050405020304" pitchFamily="18" charset="0"/>
+              </a:rPr>
+              <a:t>Заключение</a:t>
+            </a:r>
+            <a:endParaRPr lang="ru-RU" sz="4000" dirty="0">
+              <a:solidFill>
+                <a:srgbClr val="015C6F"/>
+              </a:solidFill>
+            </a:endParaRPr>
+          </a:p>
+        </p:txBody>
+      </p:sp>
+      <p:pic>
+        <p:nvPicPr>
+          <p:cNvPr id="1026" name="Picture 2" descr="Ноутбук в подарок ребенку: какой купить настольный ПК качественный и  недорогой - Педагогический портал «О детстве»">
+            <a:extLst>
+              <a:ext uri="{FF2B5EF4-FFF2-40B4-BE49-F238E27FC236}">
+                <a16:creationId xmlns:a16="http://schemas.microsoft.com/office/drawing/2014/main" id="{221DA824-A017-86C0-A3F0-860479CBEC0D}"/>
+              </a:ext>
+            </a:extLst>
+          </p:cNvPr>
+          <p:cNvPicPr>
+            <a:picLocks noChangeAspect="1" noChangeArrowheads="1"/>
+          </p:cNvPicPr>
+          <p:nvPr/>
+        </p:nvPicPr>
+        <p:blipFill>
+          <a:blip r:embed="rId3">
+            <a:extLst>
+              <a:ext uri="{28A0092B-C50C-407E-A947-70E740481C1C}">
+                <a14:useLocalDpi xmlns:a14="http://schemas.microsoft.com/office/drawing/2010/main" val="0"/>
+              </a:ext>
+            </a:extLst>
+          </a:blip>
+          <a:srcRect/>
+          <a:stretch>
+            <a:fillRect/>
+          </a:stretch>
+        </p:blipFill>
+        <p:spPr bwMode="auto">
+          <a:xfrm>
+            <a:off x="973373" y="1099749"/>
+            <a:ext cx="4171121" cy="2780747"/>
+          </a:xfrm>
+          <a:prstGeom prst="rect">
+            <a:avLst/>
+          </a:prstGeom>
+          <a:noFill/>
+          <a:extLst>
+            <a:ext uri="{909E8E84-426E-40DD-AFC4-6F175D3DCCD1}">
+              <a14:hiddenFill xmlns:a14="http://schemas.microsoft.com/office/drawing/2010/main">
+                <a:solidFill>
+                  <a:srgbClr val="FFFFFF"/>
+                </a:solidFill>
+              </a14:hiddenFill>
+            </a:ext>
+          </a:extLst>
+        </p:spPr>
+      </p:pic>
+      <p:pic>
+        <p:nvPicPr>
+          <p:cNvPr id="1028" name="Picture 4">
+            <a:extLst>
+              <a:ext uri="{FF2B5EF4-FFF2-40B4-BE49-F238E27FC236}">
+                <a16:creationId xmlns:a16="http://schemas.microsoft.com/office/drawing/2014/main" id="{2FB24AA4-F235-51D0-063D-0BB89064E5EE}"/>
+              </a:ext>
+            </a:extLst>
+          </p:cNvPr>
+          <p:cNvPicPr>
+            <a:picLocks noChangeAspect="1" noChangeArrowheads="1"/>
+          </p:cNvPicPr>
+          <p:nvPr/>
+        </p:nvPicPr>
+        <p:blipFill>
+          <a:blip r:embed="rId4">
+            <a:extLst>
+              <a:ext uri="{28A0092B-C50C-407E-A947-70E740481C1C}">
+                <a14:useLocalDpi xmlns:a14="http://schemas.microsoft.com/office/drawing/2010/main" val="0"/>
+              </a:ext>
+            </a:extLst>
+          </a:blip>
+          <a:srcRect/>
+          <a:stretch>
+            <a:fillRect/>
+          </a:stretch>
+        </p:blipFill>
+        <p:spPr bwMode="auto">
+          <a:xfrm>
+            <a:off x="6154749" y="3039386"/>
+            <a:ext cx="4658936" cy="2470813"/>
+          </a:xfrm>
+          <a:prstGeom prst="rect">
+            <a:avLst/>
+          </a:prstGeom>
+          <a:noFill/>
+          <a:extLst>
+            <a:ext uri="{909E8E84-426E-40DD-AFC4-6F175D3DCCD1}">
+              <a14:hiddenFill xmlns:a14="http://schemas.microsoft.com/office/drawing/2010/main">
+                <a:solidFill>
+                  <a:srgbClr val="FFFFFF"/>
+                </a:solidFill>
+              </a14:hiddenFill>
+            </a:ext>
+          </a:extLst>
+        </p:spPr>
+      </p:pic>
+      <p:sp>
+        <p:nvSpPr>
+          <p:cNvPr id="2" name="TextBox 1">
+            <a:extLst>
+              <a:ext uri="{FF2B5EF4-FFF2-40B4-BE49-F238E27FC236}">
+                <a16:creationId xmlns:a16="http://schemas.microsoft.com/office/drawing/2014/main" id="{B1B3A4A6-5BC3-B72C-72C1-14C992EF1950}"/>
+              </a:ext>
+            </a:extLst>
+          </p:cNvPr>
+          <p:cNvSpPr txBox="1"/>
+          <p:nvPr/>
+        </p:nvSpPr>
+        <p:spPr>
+          <a:xfrm>
+            <a:off x="1666981" y="3905460"/>
+            <a:ext cx="2783904" cy="369332"/>
+          </a:xfrm>
+          <a:prstGeom prst="rect">
+            <a:avLst/>
+          </a:prstGeom>
+          <a:noFill/>
+        </p:spPr>
+        <p:txBody>
+          <a:bodyPr wrap="none" rtlCol="0">
+            <a:spAutoFit/>
+          </a:bodyPr>
+          <a:lstStyle/>
+          <a:p>
+            <a:r>
+              <a:rPr lang="ru-RU" sz="1800" dirty="0">
+                <a:solidFill>
+                  <a:srgbClr val="015C6F"/>
+                </a:solidFill>
+                <a:effectLst/>
+                <a:latin typeface="Times New Roman" panose="02020603050405020304" pitchFamily="18" charset="0"/>
+                <a:ea typeface="Calibri" panose="020F0502020204030204" pitchFamily="34" charset="0"/>
+              </a:rPr>
+              <a:t>Для кого </a:t>
+            </a:r>
+            <a:r>
+              <a:rPr lang="en-US" sz="1800" dirty="0">
+                <a:solidFill>
+                  <a:srgbClr val="015C6F"/>
+                </a:solidFill>
+                <a:effectLst/>
+                <a:latin typeface="Times New Roman" panose="02020603050405020304" pitchFamily="18" charset="0"/>
+                <a:ea typeface="Calibri" panose="020F0502020204030204" pitchFamily="34" charset="0"/>
+              </a:rPr>
+              <a:t>Web</a:t>
+            </a:r>
+            <a:r>
+              <a:rPr lang="ru-RU" sz="1800" dirty="0">
+                <a:solidFill>
+                  <a:srgbClr val="015C6F"/>
+                </a:solidFill>
+                <a:effectLst/>
+                <a:latin typeface="Times New Roman" panose="02020603050405020304" pitchFamily="18" charset="0"/>
+                <a:ea typeface="Calibri" panose="020F0502020204030204" pitchFamily="34" charset="0"/>
+              </a:rPr>
+              <a:t>-приложение</a:t>
+            </a:r>
+            <a:endParaRPr lang="ru-RU" dirty="0">
+              <a:solidFill>
+                <a:srgbClr val="015C6F"/>
+              </a:solidFill>
+            </a:endParaRPr>
+          </a:p>
+        </p:txBody>
+      </p:sp>
+      <p:sp>
+        <p:nvSpPr>
+          <p:cNvPr id="3" name="TextBox 2">
+            <a:extLst>
+              <a:ext uri="{FF2B5EF4-FFF2-40B4-BE49-F238E27FC236}">
+                <a16:creationId xmlns:a16="http://schemas.microsoft.com/office/drawing/2014/main" id="{2D6539E3-5342-2823-0FF3-1B38746669BB}"/>
+              </a:ext>
+            </a:extLst>
+          </p:cNvPr>
+          <p:cNvSpPr txBox="1"/>
+          <p:nvPr/>
+        </p:nvSpPr>
+        <p:spPr>
+          <a:xfrm>
+            <a:off x="7915546" y="5510199"/>
+            <a:ext cx="1566711" cy="369332"/>
+          </a:xfrm>
+          <a:prstGeom prst="rect">
+            <a:avLst/>
+          </a:prstGeom>
+          <a:noFill/>
+        </p:spPr>
+        <p:txBody>
+          <a:bodyPr wrap="none" rtlCol="0">
+            <a:spAutoFit/>
+          </a:bodyPr>
+          <a:lstStyle/>
+          <a:p>
+            <a:r>
+              <a:rPr lang="ru-RU" sz="1800" dirty="0">
+                <a:solidFill>
+                  <a:srgbClr val="015C6F"/>
+                </a:solidFill>
+                <a:effectLst/>
+                <a:latin typeface="Times New Roman" panose="02020603050405020304" pitchFamily="18" charset="0"/>
+                <a:ea typeface="Calibri" panose="020F0502020204030204" pitchFamily="34" charset="0"/>
+              </a:rPr>
+              <a:t>Новые версии</a:t>
+            </a:r>
+            <a:endParaRPr lang="ru-RU" dirty="0">
+              <a:solidFill>
+                <a:srgbClr val="015C6F"/>
+              </a:solidFill>
+            </a:endParaRPr>
+          </a:p>
+        </p:txBody>
+      </p:sp>
+    </p:spTree>
+    <p:extLst>
+      <p:ext uri="{BB962C8B-B14F-4D97-AF65-F5344CB8AC3E}">
+        <p14:creationId xmlns:p14="http://schemas.microsoft.com/office/powerpoint/2010/main" val="2193701058"/>
+      </p:ext>
+    </p:extLst>
+  </p:cSld>
+  <p:clrMapOvr>
+    <a:masterClrMapping/>
+  </p:clrMapOvr>
+</p:sld>
+</file>
+
+<file path=ppt/slides/slide9.xml><?xml version="1.0" encoding="utf-8"?>
 <p:sld xmlns:a="http://schemas.openxmlformats.org/drawingml/2006/main" xmlns:r="http://schemas.openxmlformats.org/officeDocument/2006/relationships" xmlns:p="http://schemas.openxmlformats.org/presentationml/2006/main">
   <p:cSld>
     <p:bg>

--- a/Презентация.  Тренажер решения уравнения.pptx
+++ b/Презентация.  Тренажер решения уравнения.pptx
@@ -6068,6 +6068,36 @@
           </a:fontRef>
         </p:style>
       </p:cxnSp>
+      <p:pic>
+        <p:nvPicPr>
+          <p:cNvPr id="10" name="Рисунок 9">
+            <a:extLst>
+              <a:ext uri="{FF2B5EF4-FFF2-40B4-BE49-F238E27FC236}">
+                <a16:creationId xmlns:a16="http://schemas.microsoft.com/office/drawing/2014/main" id="{A884768D-E9B6-E548-11A9-B71597838427}"/>
+              </a:ext>
+            </a:extLst>
+          </p:cNvPr>
+          <p:cNvPicPr>
+            <a:picLocks noChangeAspect="1"/>
+          </p:cNvPicPr>
+          <p:nvPr/>
+        </p:nvPicPr>
+        <p:blipFill>
+          <a:blip r:embed="rId4"/>
+          <a:stretch>
+            <a:fillRect/>
+          </a:stretch>
+        </p:blipFill>
+        <p:spPr>
+          <a:xfrm>
+            <a:off x="2827475" y="2761732"/>
+            <a:ext cx="2396375" cy="2422517"/>
+          </a:xfrm>
+          <a:prstGeom prst="rect">
+            <a:avLst/>
+          </a:prstGeom>
+        </p:spPr>
+      </p:pic>
     </p:spTree>
     <p:extLst>
       <p:ext uri="{BB962C8B-B14F-4D97-AF65-F5344CB8AC3E}">

--- a/Презентация.  Тренажер решения уравнения.pptx
+++ b/Презентация.  Тренажер решения уравнения.pptx
@@ -6,14 +6,15 @@
   </p:sldMasterIdLst>
   <p:sldIdLst>
     <p:sldId id="256" r:id="rId2"/>
-    <p:sldId id="257" r:id="rId3"/>
-    <p:sldId id="258" r:id="rId4"/>
-    <p:sldId id="259" r:id="rId5"/>
-    <p:sldId id="260" r:id="rId6"/>
-    <p:sldId id="261" r:id="rId7"/>
-    <p:sldId id="263" r:id="rId8"/>
-    <p:sldId id="264" r:id="rId9"/>
-    <p:sldId id="262" r:id="rId10"/>
+    <p:sldId id="266" r:id="rId3"/>
+    <p:sldId id="257" r:id="rId4"/>
+    <p:sldId id="258" r:id="rId5"/>
+    <p:sldId id="259" r:id="rId6"/>
+    <p:sldId id="260" r:id="rId7"/>
+    <p:sldId id="261" r:id="rId8"/>
+    <p:sldId id="263" r:id="rId9"/>
+    <p:sldId id="264" r:id="rId10"/>
+    <p:sldId id="262" r:id="rId11"/>
   </p:sldIdLst>
   <p:sldSz cx="12192000" cy="6858000"/>
   <p:notesSz cx="6858000" cy="9144000"/>
@@ -267,7 +268,7 @@
           <a:p>
             <a:fld id="{F8E8F3B0-4B07-478A-ADBD-B4202A2F879F}" type="datetimeFigureOut">
               <a:rPr lang="ru-RU" smtClean="0"/>
-              <a:t>21.01.2025</a:t>
+              <a:t>23.01.2025</a:t>
             </a:fld>
             <a:endParaRPr lang="ru-RU"/>
           </a:p>
@@ -465,7 +466,7 @@
           <a:p>
             <a:fld id="{F8E8F3B0-4B07-478A-ADBD-B4202A2F879F}" type="datetimeFigureOut">
               <a:rPr lang="ru-RU" smtClean="0"/>
-              <a:t>21.01.2025</a:t>
+              <a:t>23.01.2025</a:t>
             </a:fld>
             <a:endParaRPr lang="ru-RU"/>
           </a:p>
@@ -673,7 +674,7 @@
           <a:p>
             <a:fld id="{F8E8F3B0-4B07-478A-ADBD-B4202A2F879F}" type="datetimeFigureOut">
               <a:rPr lang="ru-RU" smtClean="0"/>
-              <a:t>21.01.2025</a:t>
+              <a:t>23.01.2025</a:t>
             </a:fld>
             <a:endParaRPr lang="ru-RU"/>
           </a:p>
@@ -871,7 +872,7 @@
           <a:p>
             <a:fld id="{F8E8F3B0-4B07-478A-ADBD-B4202A2F879F}" type="datetimeFigureOut">
               <a:rPr lang="ru-RU" smtClean="0"/>
-              <a:t>21.01.2025</a:t>
+              <a:t>23.01.2025</a:t>
             </a:fld>
             <a:endParaRPr lang="ru-RU"/>
           </a:p>
@@ -1146,7 +1147,7 @@
           <a:p>
             <a:fld id="{F8E8F3B0-4B07-478A-ADBD-B4202A2F879F}" type="datetimeFigureOut">
               <a:rPr lang="ru-RU" smtClean="0"/>
-              <a:t>21.01.2025</a:t>
+              <a:t>23.01.2025</a:t>
             </a:fld>
             <a:endParaRPr lang="ru-RU"/>
           </a:p>
@@ -1411,7 +1412,7 @@
           <a:p>
             <a:fld id="{F8E8F3B0-4B07-478A-ADBD-B4202A2F879F}" type="datetimeFigureOut">
               <a:rPr lang="ru-RU" smtClean="0"/>
-              <a:t>21.01.2025</a:t>
+              <a:t>23.01.2025</a:t>
             </a:fld>
             <a:endParaRPr lang="ru-RU"/>
           </a:p>
@@ -1823,7 +1824,7 @@
           <a:p>
             <a:fld id="{F8E8F3B0-4B07-478A-ADBD-B4202A2F879F}" type="datetimeFigureOut">
               <a:rPr lang="ru-RU" smtClean="0"/>
-              <a:t>21.01.2025</a:t>
+              <a:t>23.01.2025</a:t>
             </a:fld>
             <a:endParaRPr lang="ru-RU"/>
           </a:p>
@@ -1964,7 +1965,7 @@
           <a:p>
             <a:fld id="{F8E8F3B0-4B07-478A-ADBD-B4202A2F879F}" type="datetimeFigureOut">
               <a:rPr lang="ru-RU" smtClean="0"/>
-              <a:t>21.01.2025</a:t>
+              <a:t>23.01.2025</a:t>
             </a:fld>
             <a:endParaRPr lang="ru-RU"/>
           </a:p>
@@ -2077,7 +2078,7 @@
           <a:p>
             <a:fld id="{F8E8F3B0-4B07-478A-ADBD-B4202A2F879F}" type="datetimeFigureOut">
               <a:rPr lang="ru-RU" smtClean="0"/>
-              <a:t>21.01.2025</a:t>
+              <a:t>23.01.2025</a:t>
             </a:fld>
             <a:endParaRPr lang="ru-RU"/>
           </a:p>
@@ -2388,7 +2389,7 @@
           <a:p>
             <a:fld id="{F8E8F3B0-4B07-478A-ADBD-B4202A2F879F}" type="datetimeFigureOut">
               <a:rPr lang="ru-RU" smtClean="0"/>
-              <a:t>21.01.2025</a:t>
+              <a:t>23.01.2025</a:t>
             </a:fld>
             <a:endParaRPr lang="ru-RU"/>
           </a:p>
@@ -2676,7 +2677,7 @@
           <a:p>
             <a:fld id="{F8E8F3B0-4B07-478A-ADBD-B4202A2F879F}" type="datetimeFigureOut">
               <a:rPr lang="ru-RU" smtClean="0"/>
-              <a:t>21.01.2025</a:t>
+              <a:t>23.01.2025</a:t>
             </a:fld>
             <a:endParaRPr lang="ru-RU"/>
           </a:p>
@@ -2917,7 +2918,7 @@
           <a:p>
             <a:fld id="{F8E8F3B0-4B07-478A-ADBD-B4202A2F879F}" type="datetimeFigureOut">
               <a:rPr lang="ru-RU" smtClean="0"/>
-              <a:t>21.01.2025</a:t>
+              <a:t>23.01.2025</a:t>
             </a:fld>
             <a:endParaRPr lang="ru-RU"/>
           </a:p>
@@ -3464,6 +3465,104 @@
 </p:sld>
 </file>
 
+<file path=ppt/slides/slide10.xml><?xml version="1.0" encoding="utf-8"?>
+<p:sld xmlns:a="http://schemas.openxmlformats.org/drawingml/2006/main" xmlns:r="http://schemas.openxmlformats.org/officeDocument/2006/relationships" xmlns:p="http://schemas.openxmlformats.org/presentationml/2006/main">
+  <p:cSld>
+    <p:bg>
+      <p:bgPr>
+        <a:blipFill dpi="0" rotWithShape="1">
+          <a:blip r:embed="rId2">
+            <a:lum/>
+          </a:blip>
+          <a:srcRect/>
+          <a:stretch>
+            <a:fillRect l="-1000" r="-1000"/>
+          </a:stretch>
+        </a:blipFill>
+        <a:effectLst/>
+      </p:bgPr>
+    </p:bg>
+    <p:spTree>
+      <p:nvGrpSpPr>
+        <p:cNvPr id="1" name="">
+          <a:extLst>
+            <a:ext uri="{FF2B5EF4-FFF2-40B4-BE49-F238E27FC236}">
+              <a16:creationId xmlns:a16="http://schemas.microsoft.com/office/drawing/2014/main" id="{603D3152-31D0-1DED-D8ED-5BA5FCFE4A70}"/>
+            </a:ext>
+          </a:extLst>
+        </p:cNvPr>
+        <p:cNvGrpSpPr/>
+        <p:nvPr/>
+      </p:nvGrpSpPr>
+      <p:grpSpPr>
+        <a:xfrm>
+          <a:off x="0" y="0"/>
+          <a:ext cx="0" cy="0"/>
+          <a:chOff x="0" y="0"/>
+          <a:chExt cx="0" cy="0"/>
+        </a:xfrm>
+      </p:grpSpPr>
+      <p:sp>
+        <p:nvSpPr>
+          <p:cNvPr id="6" name="TextBox 5">
+            <a:extLst>
+              <a:ext uri="{FF2B5EF4-FFF2-40B4-BE49-F238E27FC236}">
+                <a16:creationId xmlns:a16="http://schemas.microsoft.com/office/drawing/2014/main" id="{D593AA1A-DB38-6062-B10C-28696AFBF1EE}"/>
+              </a:ext>
+            </a:extLst>
+          </p:cNvPr>
+          <p:cNvSpPr txBox="1"/>
+          <p:nvPr/>
+        </p:nvSpPr>
+        <p:spPr>
+          <a:xfrm>
+            <a:off x="2627652" y="2182453"/>
+            <a:ext cx="9183348" cy="923330"/>
+          </a:xfrm>
+          <a:prstGeom prst="rect">
+            <a:avLst/>
+          </a:prstGeom>
+          <a:noFill/>
+        </p:spPr>
+        <p:txBody>
+          <a:bodyPr wrap="square" rtlCol="0">
+            <a:spAutoFit/>
+          </a:bodyPr>
+          <a:lstStyle/>
+          <a:p>
+            <a:r>
+              <a:rPr lang="ru-RU" sz="5400" dirty="0">
+                <a:solidFill>
+                  <a:srgbClr val="015C6F"/>
+                </a:solidFill>
+                <a:effectLst/>
+                <a:latin typeface="Calibri" panose="020F0502020204030204" pitchFamily="34" charset="0"/>
+                <a:ea typeface="Calibri" panose="020F0502020204030204" pitchFamily="34" charset="0"/>
+                <a:cs typeface="Times New Roman" panose="02020603050405020304" pitchFamily="18" charset="0"/>
+              </a:rPr>
+              <a:t>Спасибо за внимание</a:t>
+            </a:r>
+            <a:endParaRPr lang="ru-RU" sz="5400" dirty="0">
+              <a:solidFill>
+                <a:srgbClr val="015C6F"/>
+              </a:solidFill>
+            </a:endParaRPr>
+          </a:p>
+        </p:txBody>
+      </p:sp>
+    </p:spTree>
+    <p:extLst>
+      <p:ext uri="{BB962C8B-B14F-4D97-AF65-F5344CB8AC3E}">
+        <p14:creationId xmlns:p14="http://schemas.microsoft.com/office/powerpoint/2010/main" val="3883651228"/>
+      </p:ext>
+    </p:extLst>
+  </p:cSld>
+  <p:clrMapOvr>
+    <a:masterClrMapping/>
+  </p:clrMapOvr>
+</p:sld>
+</file>
+
 <file path=ppt/slides/slide2.xml><?xml version="1.0" encoding="utf-8"?>
 <p:sld xmlns:a="http://schemas.openxmlformats.org/drawingml/2006/main" xmlns:r="http://schemas.openxmlformats.org/officeDocument/2006/relationships" xmlns:p="http://schemas.openxmlformats.org/presentationml/2006/main">
   <p:cSld>
@@ -3483,7 +3582,13 @@
     </p:bg>
     <p:spTree>
       <p:nvGrpSpPr>
-        <p:cNvPr id="1" name=""/>
+        <p:cNvPr id="1" name="">
+          <a:extLst>
+            <a:ext uri="{FF2B5EF4-FFF2-40B4-BE49-F238E27FC236}">
+              <a16:creationId xmlns:a16="http://schemas.microsoft.com/office/drawing/2014/main" id="{F88CD4A3-5911-A745-7487-5E4D71D6BE41}"/>
+            </a:ext>
+          </a:extLst>
+        </p:cNvPr>
         <p:cNvGrpSpPr/>
         <p:nvPr/>
       </p:nvGrpSpPr>
@@ -3497,10 +3602,10 @@
       </p:grpSpPr>
       <p:sp>
         <p:nvSpPr>
-          <p:cNvPr id="4" name="TextBox 3">
-            <a:extLst>
-              <a:ext uri="{FF2B5EF4-FFF2-40B4-BE49-F238E27FC236}">
-                <a16:creationId xmlns:a16="http://schemas.microsoft.com/office/drawing/2014/main" id="{E1A8B8FB-83F5-F412-8637-0614F0A7D215}"/>
+          <p:cNvPr id="2" name="TextBox 1">
+            <a:extLst>
+              <a:ext uri="{FF2B5EF4-FFF2-40B4-BE49-F238E27FC236}">
+                <a16:creationId xmlns:a16="http://schemas.microsoft.com/office/drawing/2014/main" id="{366C209D-392A-CFDF-9EB5-65596AFA9CCD}"/>
               </a:ext>
             </a:extLst>
           </p:cNvPr>
@@ -3509,8 +3614,8 @@
         </p:nvSpPr>
         <p:spPr>
           <a:xfrm>
-            <a:off x="6598874" y="1864747"/>
-            <a:ext cx="5221795" cy="707886"/>
+            <a:off x="1276599" y="403754"/>
+            <a:ext cx="3788383" cy="707886"/>
           </a:xfrm>
           <a:prstGeom prst="rect">
             <a:avLst/>
@@ -3532,46 +3637,246 @@
                 <a:ea typeface="Calibri" panose="020F0502020204030204" pitchFamily="34" charset="0"/>
                 <a:cs typeface="Times New Roman" panose="02020603050405020304" pitchFamily="18" charset="0"/>
               </a:rPr>
-              <a:t>Сложное</a:t>
-            </a:r>
+              <a:t>Цель проекта</a:t>
+            </a:r>
+            <a:endParaRPr lang="ru-RU" sz="4000" dirty="0">
+              <a:solidFill>
+                <a:srgbClr val="015C6F"/>
+              </a:solidFill>
+            </a:endParaRPr>
+          </a:p>
+        </p:txBody>
+      </p:sp>
+      <p:sp>
+        <p:nvSpPr>
+          <p:cNvPr id="3" name="TextBox 2">
+            <a:extLst>
+              <a:ext uri="{FF2B5EF4-FFF2-40B4-BE49-F238E27FC236}">
+                <a16:creationId xmlns:a16="http://schemas.microsoft.com/office/drawing/2014/main" id="{057CA427-9837-80D6-E20D-824EBC0F04EC}"/>
+              </a:ext>
+            </a:extLst>
+          </p:cNvPr>
+          <p:cNvSpPr txBox="1"/>
+          <p:nvPr/>
+        </p:nvSpPr>
+        <p:spPr>
+          <a:xfrm>
+            <a:off x="6544019" y="5713052"/>
+            <a:ext cx="3788383" cy="707886"/>
+          </a:xfrm>
+          <a:prstGeom prst="rect">
+            <a:avLst/>
+          </a:prstGeom>
+          <a:noFill/>
+        </p:spPr>
+        <p:txBody>
+          <a:bodyPr wrap="square" rtlCol="0">
+            <a:spAutoFit/>
+          </a:bodyPr>
+          <a:lstStyle/>
+          <a:p>
             <a:r>
               <a:rPr lang="ru-RU" sz="4000" dirty="0">
                 <a:solidFill>
                   <a:srgbClr val="015C6F"/>
+                </a:solidFill>
+                <a:latin typeface="Calibri" panose="020F0502020204030204" pitchFamily="34" charset="0"/>
+                <a:ea typeface="Calibri" panose="020F0502020204030204" pitchFamily="34" charset="0"/>
+                <a:cs typeface="Times New Roman" panose="02020603050405020304" pitchFamily="18" charset="0"/>
+              </a:rPr>
+              <a:t>Актуальность</a:t>
+            </a:r>
+            <a:endParaRPr lang="ru-RU" sz="4000" dirty="0">
+              <a:solidFill>
+                <a:srgbClr val="015C6F"/>
+              </a:solidFill>
+            </a:endParaRPr>
+          </a:p>
+        </p:txBody>
+      </p:sp>
+      <p:pic>
+        <p:nvPicPr>
+          <p:cNvPr id="5" name="Рисунок 4">
+            <a:extLst>
+              <a:ext uri="{FF2B5EF4-FFF2-40B4-BE49-F238E27FC236}">
+                <a16:creationId xmlns:a16="http://schemas.microsoft.com/office/drawing/2014/main" id="{22B0A1AB-369F-5E7F-B274-31A778DB6651}"/>
+              </a:ext>
+            </a:extLst>
+          </p:cNvPr>
+          <p:cNvPicPr>
+            <a:picLocks noChangeAspect="1"/>
+          </p:cNvPicPr>
+          <p:nvPr/>
+        </p:nvPicPr>
+        <p:blipFill>
+          <a:blip r:embed="rId3"/>
+          <a:stretch>
+            <a:fillRect/>
+          </a:stretch>
+        </p:blipFill>
+        <p:spPr>
+          <a:xfrm>
+            <a:off x="473342" y="1235912"/>
+            <a:ext cx="4583685" cy="2658935"/>
+          </a:xfrm>
+          <a:prstGeom prst="rect">
+            <a:avLst/>
+          </a:prstGeom>
+        </p:spPr>
+      </p:pic>
+      <p:pic>
+        <p:nvPicPr>
+          <p:cNvPr id="1026" name="Picture 2" descr="Дети Школьного Возраста В Классе На Уроке Cartoon — стоковая векторная графика и другие изображения на тему Двигаться вверх - Двигаться вверх, Девочки, Девушки - iStock">
+            <a:extLst>
+              <a:ext uri="{FF2B5EF4-FFF2-40B4-BE49-F238E27FC236}">
+                <a16:creationId xmlns:a16="http://schemas.microsoft.com/office/drawing/2014/main" id="{966F0CCD-39A6-BE2B-6546-64F382DCF104}"/>
+              </a:ext>
+            </a:extLst>
+          </p:cNvPr>
+          <p:cNvPicPr>
+            <a:picLocks noChangeAspect="1" noChangeArrowheads="1"/>
+          </p:cNvPicPr>
+          <p:nvPr/>
+        </p:nvPicPr>
+        <p:blipFill>
+          <a:blip r:embed="rId4">
+            <a:extLst>
+              <a:ext uri="{28A0092B-C50C-407E-A947-70E740481C1C}">
+                <a14:useLocalDpi xmlns:a14="http://schemas.microsoft.com/office/drawing/2010/main" val="0"/>
+              </a:ext>
+            </a:extLst>
+          </a:blip>
+          <a:srcRect/>
+          <a:stretch>
+            <a:fillRect/>
+          </a:stretch>
+        </p:blipFill>
+        <p:spPr bwMode="auto">
+          <a:xfrm>
+            <a:off x="5737739" y="2485866"/>
+            <a:ext cx="4792438" cy="3077497"/>
+          </a:xfrm>
+          <a:prstGeom prst="rect">
+            <a:avLst/>
+          </a:prstGeom>
+          <a:noFill/>
+          <a:extLst>
+            <a:ext uri="{909E8E84-426E-40DD-AFC4-6F175D3DCCD1}">
+              <a14:hiddenFill xmlns:a14="http://schemas.microsoft.com/office/drawing/2010/main">
+                <a:solidFill>
+                  <a:srgbClr val="FFFFFF"/>
+                </a:solidFill>
+              </a14:hiddenFill>
+            </a:ext>
+          </a:extLst>
+        </p:spPr>
+      </p:pic>
+      <p:sp>
+        <p:nvSpPr>
+          <p:cNvPr id="7" name="TextBox 6">
+            <a:extLst>
+              <a:ext uri="{FF2B5EF4-FFF2-40B4-BE49-F238E27FC236}">
+                <a16:creationId xmlns:a16="http://schemas.microsoft.com/office/drawing/2014/main" id="{0932C07A-7D3A-57AD-0AE0-7E481F181E94}"/>
+              </a:ext>
+            </a:extLst>
+          </p:cNvPr>
+          <p:cNvSpPr txBox="1"/>
+          <p:nvPr/>
+        </p:nvSpPr>
+        <p:spPr>
+          <a:xfrm>
+            <a:off x="536955" y="4143392"/>
+            <a:ext cx="4170217" cy="1815882"/>
+          </a:xfrm>
+          <a:prstGeom prst="rect">
+            <a:avLst/>
+          </a:prstGeom>
+          <a:noFill/>
+        </p:spPr>
+        <p:txBody>
+          <a:bodyPr wrap="square" rtlCol="0">
+            <a:spAutoFit/>
+          </a:bodyPr>
+          <a:lstStyle/>
+          <a:p>
+            <a:r>
+              <a:rPr lang="ru-RU" sz="2800" dirty="0">
+                <a:solidFill>
+                  <a:schemeClr val="accent2">
+                    <a:lumMod val="50000"/>
+                  </a:schemeClr>
+                </a:solidFill>
+                <a:latin typeface="Calibri" panose="020F0502020204030204" pitchFamily="34" charset="0"/>
+                <a:ea typeface="Calibri" panose="020F0502020204030204" pitchFamily="34" charset="0"/>
+                <a:cs typeface="Times New Roman" panose="02020603050405020304" pitchFamily="18" charset="0"/>
+              </a:rPr>
+              <a:t>Разработка </a:t>
+            </a:r>
+            <a:r>
+              <a:rPr lang="en-US" sz="2800" dirty="0">
+                <a:solidFill>
+                  <a:schemeClr val="accent2">
+                    <a:lumMod val="50000"/>
+                  </a:schemeClr>
+                </a:solidFill>
+                <a:latin typeface="Calibri" panose="020F0502020204030204" pitchFamily="34" charset="0"/>
+                <a:ea typeface="Calibri" panose="020F0502020204030204" pitchFamily="34" charset="0"/>
+                <a:cs typeface="Times New Roman" panose="02020603050405020304" pitchFamily="18" charset="0"/>
+              </a:rPr>
+              <a:t>WEB </a:t>
+            </a:r>
+            <a:r>
+              <a:rPr lang="ru-RU" sz="2800" dirty="0">
+                <a:solidFill>
+                  <a:schemeClr val="accent2">
+                    <a:lumMod val="50000"/>
+                  </a:schemeClr>
+                </a:solidFill>
+                <a:latin typeface="Calibri" panose="020F0502020204030204" pitchFamily="34" charset="0"/>
+                <a:ea typeface="Calibri" panose="020F0502020204030204" pitchFamily="34" charset="0"/>
+                <a:cs typeface="Times New Roman" panose="02020603050405020304" pitchFamily="18" charset="0"/>
+              </a:rPr>
+              <a:t>приложения «</a:t>
+            </a:r>
+            <a:r>
+              <a:rPr lang="ru-RU" sz="2800" dirty="0">
+                <a:solidFill>
+                  <a:schemeClr val="accent2">
+                    <a:lumMod val="50000"/>
+                  </a:schemeClr>
                 </a:solidFill>
                 <a:effectLst/>
                 <a:latin typeface="Calibri" panose="020F0502020204030204" pitchFamily="34" charset="0"/>
                 <a:ea typeface="Calibri" panose="020F0502020204030204" pitchFamily="34" charset="0"/>
                 <a:cs typeface="Times New Roman" panose="02020603050405020304" pitchFamily="18" charset="0"/>
               </a:rPr>
-              <a:t> уравнение</a:t>
-            </a:r>
-            <a:r>
-              <a:rPr lang="en-US" sz="4000" dirty="0">
-                <a:solidFill>
-                  <a:srgbClr val="015C6F"/>
-                </a:solidFill>
-                <a:effectLst/>
-                <a:latin typeface="Calibri" panose="020F0502020204030204" pitchFamily="34" charset="0"/>
-                <a:ea typeface="Calibri" panose="020F0502020204030204" pitchFamily="34" charset="0"/>
-                <a:cs typeface="Times New Roman" panose="02020603050405020304" pitchFamily="18" charset="0"/>
-              </a:rPr>
-              <a:t>:</a:t>
-            </a:r>
-            <a:endParaRPr lang="ru-RU" sz="4000" dirty="0">
+              <a:t>Тренажер решения уравнений»</a:t>
+            </a:r>
+            <a:endParaRPr lang="ru-RU" sz="2800" dirty="0">
               <a:solidFill>
-                <a:srgbClr val="015C6F"/>
+                <a:schemeClr val="accent2">
+                  <a:lumMod val="50000"/>
+                </a:schemeClr>
               </a:solidFill>
             </a:endParaRPr>
           </a:p>
-        </p:txBody>
-      </p:sp>
-      <p:sp>
-        <p:nvSpPr>
-          <p:cNvPr id="5" name="TextBox 4">
-            <a:extLst>
-              <a:ext uri="{FF2B5EF4-FFF2-40B4-BE49-F238E27FC236}">
-                <a16:creationId xmlns:a16="http://schemas.microsoft.com/office/drawing/2014/main" id="{E6CE6AA6-80EB-8C01-F85E-8AC049D9BC71}"/>
+          <a:p>
+            <a:endParaRPr lang="ru-RU" sz="2800" dirty="0">
+              <a:solidFill>
+                <a:schemeClr val="accent2">
+                  <a:lumMod val="50000"/>
+                </a:schemeClr>
+              </a:solidFill>
+            </a:endParaRPr>
+          </a:p>
+        </p:txBody>
+      </p:sp>
+      <p:sp>
+        <p:nvSpPr>
+          <p:cNvPr id="8" name="TextBox 7">
+            <a:extLst>
+              <a:ext uri="{FF2B5EF4-FFF2-40B4-BE49-F238E27FC236}">
+                <a16:creationId xmlns:a16="http://schemas.microsoft.com/office/drawing/2014/main" id="{09000A00-F659-3DE1-F12D-6B01A8624FB2}"/>
               </a:ext>
             </a:extLst>
           </p:cNvPr>
@@ -3580,8 +3885,8 @@
         </p:nvSpPr>
         <p:spPr>
           <a:xfrm>
-            <a:off x="448332" y="207937"/>
-            <a:ext cx="5647668" cy="707886"/>
+            <a:off x="6151207" y="932109"/>
+            <a:ext cx="4434177" cy="1815882"/>
           </a:xfrm>
           <a:prstGeom prst="rect">
             <a:avLst/>
@@ -3595,379 +3900,41 @@
           <a:lstStyle/>
           <a:p>
             <a:r>
-              <a:rPr lang="ru-RU" sz="4000" dirty="0">
-                <a:solidFill>
-                  <a:srgbClr val="015C6F"/>
-                </a:solidFill>
-                <a:effectLst/>
-                <a:latin typeface="Calibri" panose="020F0502020204030204" pitchFamily="34" charset="0"/>
-                <a:ea typeface="Calibri" panose="020F0502020204030204" pitchFamily="34" charset="0"/>
-                <a:cs typeface="Times New Roman" panose="02020603050405020304" pitchFamily="18" charset="0"/>
-              </a:rPr>
-              <a:t>Простое уравнение</a:t>
-            </a:r>
-            <a:r>
-              <a:rPr lang="en-US" sz="4000" dirty="0">
-                <a:solidFill>
-                  <a:srgbClr val="015C6F"/>
-                </a:solidFill>
-                <a:effectLst/>
-                <a:latin typeface="Calibri" panose="020F0502020204030204" pitchFamily="34" charset="0"/>
-                <a:ea typeface="Calibri" panose="020F0502020204030204" pitchFamily="34" charset="0"/>
-                <a:cs typeface="Times New Roman" panose="02020603050405020304" pitchFamily="18" charset="0"/>
-              </a:rPr>
-              <a:t>:</a:t>
-            </a:r>
-            <a:endParaRPr lang="ru-RU" sz="4000" dirty="0">
-              <a:solidFill>
-                <a:srgbClr val="015C6F"/>
-              </a:solidFill>
-            </a:endParaRPr>
-          </a:p>
-        </p:txBody>
-      </p:sp>
-      <p:sp>
-        <p:nvSpPr>
-          <p:cNvPr id="6" name="TextBox 5">
-            <a:extLst>
-              <a:ext uri="{FF2B5EF4-FFF2-40B4-BE49-F238E27FC236}">
-                <a16:creationId xmlns:a16="http://schemas.microsoft.com/office/drawing/2014/main" id="{EAFBF1D0-A59A-E969-88B6-8F9EAE58F131}"/>
-              </a:ext>
-            </a:extLst>
-          </p:cNvPr>
-          <p:cNvSpPr txBox="1"/>
-          <p:nvPr/>
-        </p:nvSpPr>
-        <p:spPr>
-          <a:xfrm>
-            <a:off x="371330" y="987584"/>
-            <a:ext cx="4441302" cy="1754326"/>
-          </a:xfrm>
-          <a:prstGeom prst="rect">
-            <a:avLst/>
-          </a:prstGeom>
-          <a:noFill/>
-        </p:spPr>
-        <p:txBody>
-          <a:bodyPr wrap="square" rtlCol="0">
-            <a:spAutoFit/>
-          </a:bodyPr>
-          <a:lstStyle/>
-          <a:p>
-            <a:r>
-              <a:rPr lang="ru-RU" sz="3600" dirty="0">
-                <a:effectLst/>
-                <a:ea typeface="Calibri" panose="020F0502020204030204" pitchFamily="34" charset="0"/>
-                <a:cs typeface="Times New Roman" panose="02020603050405020304" pitchFamily="18" charset="0"/>
-              </a:rPr>
-              <a:t> </a:t>
-            </a:r>
-            <a:r>
-              <a:rPr lang="ru-RU" sz="3600" i="1" dirty="0">
-                <a:effectLst/>
-                <a:ea typeface="Calibri" panose="020F0502020204030204" pitchFamily="34" charset="0"/>
-                <a:cs typeface="Times New Roman" panose="02020603050405020304" pitchFamily="18" charset="0"/>
-              </a:rPr>
-              <a:t>х</a:t>
-            </a:r>
-            <a:r>
-              <a:rPr lang="ru-RU" sz="3600" i="1" dirty="0">
-                <a:effectLst/>
-                <a:ea typeface="Times New Roman" panose="02020603050405020304" pitchFamily="18" charset="0"/>
-              </a:rPr>
-              <a:t> + 5 = 7</a:t>
-            </a:r>
-            <a:br>
-              <a:rPr lang="ru-RU" sz="3600" i="1" dirty="0">
-                <a:effectLst/>
-                <a:ea typeface="Times New Roman" panose="02020603050405020304" pitchFamily="18" charset="0"/>
-              </a:rPr>
-            </a:br>
-            <a:r>
-              <a:rPr lang="en-US" sz="3600" i="1" dirty="0">
-                <a:effectLst/>
-                <a:ea typeface="Times New Roman" panose="02020603050405020304" pitchFamily="18" charset="0"/>
-              </a:rPr>
-              <a:t> x = 7 -5 </a:t>
-            </a:r>
-          </a:p>
-          <a:p>
-            <a:r>
-              <a:rPr lang="en-US" sz="3600" i="1" dirty="0"/>
-              <a:t> x = 2</a:t>
-            </a:r>
-            <a:endParaRPr lang="ru-RU" sz="3600" i="1" dirty="0"/>
-          </a:p>
-        </p:txBody>
-      </p:sp>
-      <p:sp>
-        <p:nvSpPr>
-          <p:cNvPr id="7" name="TextBox 6">
-            <a:extLst>
-              <a:ext uri="{FF2B5EF4-FFF2-40B4-BE49-F238E27FC236}">
-                <a16:creationId xmlns:a16="http://schemas.microsoft.com/office/drawing/2014/main" id="{0C372BE3-8421-59EA-B5DB-C3819D9B9B93}"/>
-              </a:ext>
-            </a:extLst>
-          </p:cNvPr>
-          <p:cNvSpPr txBox="1"/>
-          <p:nvPr/>
-        </p:nvSpPr>
-        <p:spPr>
-          <a:xfrm>
-            <a:off x="6733628" y="2662379"/>
-            <a:ext cx="4441302" cy="3372013"/>
-          </a:xfrm>
-          <a:prstGeom prst="rect">
-            <a:avLst/>
-          </a:prstGeom>
-          <a:noFill/>
-        </p:spPr>
-        <p:txBody>
-          <a:bodyPr wrap="square" rtlCol="0">
-            <a:spAutoFit/>
-          </a:bodyPr>
-          <a:lstStyle/>
-          <a:p>
-            <a:pPr>
-              <a:lnSpc>
-                <a:spcPct val="120000"/>
-              </a:lnSpc>
-            </a:pPr>
-            <a:r>
-              <a:rPr lang="en-US" sz="3600" i="1" dirty="0">
-                <a:effectLst/>
-                <a:ea typeface="Calibri" panose="020F0502020204030204" pitchFamily="34" charset="0"/>
-                <a:cs typeface="Times New Roman" panose="02020603050405020304" pitchFamily="18" charset="0"/>
-              </a:rPr>
-              <a:t>x(3 + 1) = 2(x + 2)</a:t>
-            </a:r>
-            <a:endParaRPr lang="ru-RU" sz="3600" i="1" dirty="0">
-              <a:effectLst/>
-              <a:ea typeface="Calibri" panose="020F0502020204030204" pitchFamily="34" charset="0"/>
-              <a:cs typeface="Times New Roman" panose="02020603050405020304" pitchFamily="18" charset="0"/>
-            </a:endParaRPr>
-          </a:p>
-          <a:p>
-            <a:pPr>
-              <a:lnSpc>
-                <a:spcPct val="120000"/>
-              </a:lnSpc>
-            </a:pPr>
-            <a:r>
-              <a:rPr lang="ru-RU" sz="3600" i="1" dirty="0">
-                <a:ea typeface="Calibri" panose="020F0502020204030204" pitchFamily="34" charset="0"/>
-                <a:cs typeface="Times New Roman" panose="02020603050405020304" pitchFamily="18" charset="0"/>
-              </a:rPr>
-              <a:t>3</a:t>
-            </a:r>
-            <a:r>
-              <a:rPr lang="en-US" sz="3600" i="1" dirty="0">
-                <a:ea typeface="Calibri" panose="020F0502020204030204" pitchFamily="34" charset="0"/>
-                <a:cs typeface="Times New Roman" panose="02020603050405020304" pitchFamily="18" charset="0"/>
-              </a:rPr>
-              <a:t>x + x = 2x + 4</a:t>
-            </a:r>
-          </a:p>
-          <a:p>
-            <a:pPr>
-              <a:lnSpc>
-                <a:spcPct val="120000"/>
-              </a:lnSpc>
-            </a:pPr>
-            <a:r>
-              <a:rPr lang="en-US" sz="3600" i="1" dirty="0">
-                <a:ea typeface="Calibri" panose="020F0502020204030204" pitchFamily="34" charset="0"/>
-                <a:cs typeface="Times New Roman" panose="02020603050405020304" pitchFamily="18" charset="0"/>
-              </a:rPr>
-              <a:t>3x + x - 2x = 4</a:t>
-            </a:r>
-          </a:p>
-          <a:p>
-            <a:pPr>
-              <a:lnSpc>
-                <a:spcPct val="120000"/>
-              </a:lnSpc>
-            </a:pPr>
-            <a:r>
-              <a:rPr lang="en-US" sz="3600" i="1" dirty="0">
-                <a:ea typeface="Calibri" panose="020F0502020204030204" pitchFamily="34" charset="0"/>
-                <a:cs typeface="Times New Roman" panose="02020603050405020304" pitchFamily="18" charset="0"/>
-              </a:rPr>
-              <a:t>2x = 4</a:t>
-            </a:r>
-          </a:p>
-          <a:p>
-            <a:pPr>
-              <a:lnSpc>
-                <a:spcPct val="120000"/>
-              </a:lnSpc>
-            </a:pPr>
-            <a:r>
-              <a:rPr lang="en-US" sz="3600" i="1" dirty="0">
-                <a:ea typeface="Calibri" panose="020F0502020204030204" pitchFamily="34" charset="0"/>
-                <a:cs typeface="Times New Roman" panose="02020603050405020304" pitchFamily="18" charset="0"/>
-              </a:rPr>
-              <a:t>x = 2</a:t>
-            </a:r>
-            <a:endParaRPr lang="ru-RU" sz="3600" i="1" dirty="0"/>
-          </a:p>
-        </p:txBody>
-      </p:sp>
-      <p:sp>
-        <p:nvSpPr>
-          <p:cNvPr id="8" name="TextBox 7">
-            <a:extLst>
-              <a:ext uri="{FF2B5EF4-FFF2-40B4-BE49-F238E27FC236}">
-                <a16:creationId xmlns:a16="http://schemas.microsoft.com/office/drawing/2014/main" id="{972B2AC5-CB01-641B-E566-E46EFB31874B}"/>
-              </a:ext>
-            </a:extLst>
-          </p:cNvPr>
-          <p:cNvSpPr txBox="1"/>
-          <p:nvPr/>
-        </p:nvSpPr>
-        <p:spPr>
-          <a:xfrm>
-            <a:off x="2058962" y="3349350"/>
-            <a:ext cx="4441302" cy="2601353"/>
-          </a:xfrm>
-          <a:prstGeom prst="rect">
-            <a:avLst/>
-          </a:prstGeom>
-          <a:noFill/>
-        </p:spPr>
-        <p:txBody>
-          <a:bodyPr wrap="square" rtlCol="0">
-            <a:spAutoFit/>
-          </a:bodyPr>
-          <a:lstStyle/>
-          <a:p>
-            <a:pPr algn="r">
-              <a:lnSpc>
-                <a:spcPct val="130000"/>
-              </a:lnSpc>
-            </a:pPr>
-            <a:r>
-              <a:rPr lang="ru-RU" sz="3200" i="1" dirty="0">
+              <a:rPr lang="ru-RU" sz="2800" dirty="0">
                 <a:solidFill>
                   <a:schemeClr val="accent2">
-                    <a:lumMod val="75000"/>
+                    <a:lumMod val="50000"/>
                   </a:schemeClr>
                 </a:solidFill>
                 <a:latin typeface="Calibri" panose="020F0502020204030204" pitchFamily="34" charset="0"/>
                 <a:ea typeface="Calibri" panose="020F0502020204030204" pitchFamily="34" charset="0"/>
                 <a:cs typeface="Times New Roman" panose="02020603050405020304" pitchFamily="18" charset="0"/>
               </a:rPr>
-              <a:t>Раскроем скобки</a:t>
-            </a:r>
-            <a:endParaRPr lang="en-US" sz="3200" i="1" dirty="0">
+              <a:t>Актуально для школьников желающих научится быстро решать уравнения</a:t>
+            </a:r>
+            <a:endParaRPr lang="ru-RU" sz="2800" dirty="0">
               <a:solidFill>
                 <a:schemeClr val="accent2">
-                  <a:lumMod val="75000"/>
+                  <a:lumMod val="50000"/>
                 </a:schemeClr>
               </a:solidFill>
-              <a:latin typeface="Calibri" panose="020F0502020204030204" pitchFamily="34" charset="0"/>
-              <a:ea typeface="Calibri" panose="020F0502020204030204" pitchFamily="34" charset="0"/>
-              <a:cs typeface="Times New Roman" panose="02020603050405020304" pitchFamily="18" charset="0"/>
             </a:endParaRPr>
           </a:p>
           <a:p>
-            <a:pPr algn="r">
-              <a:lnSpc>
-                <a:spcPct val="130000"/>
-              </a:lnSpc>
-            </a:pPr>
-            <a:r>
-              <a:rPr lang="ru-RU" sz="3200" i="1" dirty="0">
-                <a:solidFill>
-                  <a:schemeClr val="accent2">
-                    <a:lumMod val="75000"/>
-                  </a:schemeClr>
-                </a:solidFill>
-              </a:rPr>
-              <a:t>Выполним перенос</a:t>
-            </a:r>
-          </a:p>
-          <a:p>
-            <a:pPr algn="r">
-              <a:lnSpc>
-                <a:spcPct val="130000"/>
-              </a:lnSpc>
-            </a:pPr>
-            <a:r>
-              <a:rPr lang="ru-RU" sz="3200" i="1" dirty="0">
-                <a:solidFill>
-                  <a:schemeClr val="accent2">
-                    <a:lumMod val="75000"/>
-                  </a:schemeClr>
-                </a:solidFill>
-              </a:rPr>
-              <a:t>Упростим</a:t>
-            </a:r>
-          </a:p>
-          <a:p>
-            <a:pPr algn="r">
-              <a:lnSpc>
-                <a:spcPct val="130000"/>
-              </a:lnSpc>
-            </a:pPr>
-            <a:r>
-              <a:rPr lang="ru-RU" sz="3200" i="1" dirty="0">
-                <a:solidFill>
-                  <a:schemeClr val="accent2">
-                    <a:lumMod val="75000"/>
-                  </a:schemeClr>
-                </a:solidFill>
-              </a:rPr>
-              <a:t>Вычислим неизвестное</a:t>
-            </a:r>
-          </a:p>
-        </p:txBody>
-      </p:sp>
-      <p:cxnSp>
-        <p:nvCxnSpPr>
-          <p:cNvPr id="10" name="Прямая соединительная линия 9">
-            <a:extLst>
-              <a:ext uri="{FF2B5EF4-FFF2-40B4-BE49-F238E27FC236}">
-                <a16:creationId xmlns:a16="http://schemas.microsoft.com/office/drawing/2014/main" id="{97C3A1C6-68CF-D3E7-FA35-6355B2796480}"/>
-              </a:ext>
-            </a:extLst>
-          </p:cNvPr>
-          <p:cNvCxnSpPr/>
-          <p:nvPr/>
-        </p:nvCxnSpPr>
-        <p:spPr>
-          <a:xfrm>
-            <a:off x="6516303" y="1944303"/>
-            <a:ext cx="0" cy="4735630"/>
-          </a:xfrm>
-          <a:prstGeom prst="line">
-            <a:avLst/>
-          </a:prstGeom>
-          <a:ln>
-            <a:solidFill>
-              <a:srgbClr val="015C6F"/>
-            </a:solidFill>
-          </a:ln>
-        </p:spPr>
-        <p:style>
-          <a:lnRef idx="3">
-            <a:schemeClr val="accent6"/>
-          </a:lnRef>
-          <a:fillRef idx="0">
-            <a:schemeClr val="accent6"/>
-          </a:fillRef>
-          <a:effectRef idx="2">
-            <a:schemeClr val="accent6"/>
-          </a:effectRef>
-          <a:fontRef idx="minor">
-            <a:schemeClr val="tx1"/>
-          </a:fontRef>
-        </p:style>
-      </p:cxnSp>
+            <a:endParaRPr lang="ru-RU" sz="2800" dirty="0">
+              <a:solidFill>
+                <a:schemeClr val="accent2">
+                  <a:lumMod val="50000"/>
+                </a:schemeClr>
+              </a:solidFill>
+            </a:endParaRPr>
+          </a:p>
+        </p:txBody>
+      </p:sp>
     </p:spTree>
     <p:extLst>
       <p:ext uri="{BB962C8B-B14F-4D97-AF65-F5344CB8AC3E}">
-        <p14:creationId xmlns:p14="http://schemas.microsoft.com/office/powerpoint/2010/main" val="3680403524"/>
+        <p14:creationId xmlns:p14="http://schemas.microsoft.com/office/powerpoint/2010/main" val="2378679507"/>
       </p:ext>
     </p:extLst>
   </p:cSld>
@@ -4010,10 +3977,10 @@
       </p:grpSpPr>
       <p:sp>
         <p:nvSpPr>
-          <p:cNvPr id="6" name="TextBox 5">
-            <a:extLst>
-              <a:ext uri="{FF2B5EF4-FFF2-40B4-BE49-F238E27FC236}">
-                <a16:creationId xmlns:a16="http://schemas.microsoft.com/office/drawing/2014/main" id="{8413AAAD-597B-BD12-EC90-81BE22F2418F}"/>
+          <p:cNvPr id="4" name="TextBox 3">
+            <a:extLst>
+              <a:ext uri="{FF2B5EF4-FFF2-40B4-BE49-F238E27FC236}">
+                <a16:creationId xmlns:a16="http://schemas.microsoft.com/office/drawing/2014/main" id="{E1A8B8FB-83F5-F412-8637-0614F0A7D215}"/>
               </a:ext>
             </a:extLst>
           </p:cNvPr>
@@ -4022,8 +3989,8 @@
         </p:nvSpPr>
         <p:spPr>
           <a:xfrm>
-            <a:off x="6445230" y="158124"/>
-            <a:ext cx="5647668" cy="707886"/>
+            <a:off x="6598874" y="1864747"/>
+            <a:ext cx="5221795" cy="707886"/>
           </a:xfrm>
           <a:prstGeom prst="rect">
             <a:avLst/>
@@ -4036,6 +4003,17 @@
           </a:bodyPr>
           <a:lstStyle/>
           <a:p>
+            <a:r>
+              <a:rPr lang="ru-RU" sz="4000" dirty="0">
+                <a:solidFill>
+                  <a:srgbClr val="015C6F"/>
+                </a:solidFill>
+                <a:latin typeface="Calibri" panose="020F0502020204030204" pitchFamily="34" charset="0"/>
+                <a:ea typeface="Calibri" panose="020F0502020204030204" pitchFamily="34" charset="0"/>
+                <a:cs typeface="Times New Roman" panose="02020603050405020304" pitchFamily="18" charset="0"/>
+              </a:rPr>
+              <a:t>Сложное</a:t>
+            </a:r>
             <a:r>
               <a:rPr lang="ru-RU" sz="4000" dirty="0">
                 <a:solidFill>
@@ -4046,7 +4024,19 @@
                 <a:ea typeface="Calibri" panose="020F0502020204030204" pitchFamily="34" charset="0"/>
                 <a:cs typeface="Times New Roman" panose="02020603050405020304" pitchFamily="18" charset="0"/>
               </a:rPr>
-              <a:t>Блок схема алгоритма</a:t>
+              <a:t> уравнение</a:t>
+            </a:r>
+            <a:r>
+              <a:rPr lang="en-US" sz="4000" dirty="0">
+                <a:solidFill>
+                  <a:srgbClr val="015C6F"/>
+                </a:solidFill>
+                <a:effectLst/>
+                <a:latin typeface="Calibri" panose="020F0502020204030204" pitchFamily="34" charset="0"/>
+                <a:ea typeface="Calibri" panose="020F0502020204030204" pitchFamily="34" charset="0"/>
+                <a:cs typeface="Times New Roman" panose="02020603050405020304" pitchFamily="18" charset="0"/>
+              </a:rPr>
+              <a:t>:</a:t>
             </a:r>
             <a:endParaRPr lang="ru-RU" sz="4000" dirty="0">
               <a:solidFill>
@@ -4056,46 +4046,408 @@
           </a:p>
         </p:txBody>
       </p:sp>
-      <p:pic>
-        <p:nvPicPr>
-          <p:cNvPr id="3" name="Рисунок 2">
-            <a:extLst>
-              <a:ext uri="{FF2B5EF4-FFF2-40B4-BE49-F238E27FC236}">
-                <a16:creationId xmlns:a16="http://schemas.microsoft.com/office/drawing/2014/main" id="{8160F4B6-8BAB-1BB3-80C8-108B45047B93}"/>
-              </a:ext>
-            </a:extLst>
-          </p:cNvPr>
-          <p:cNvPicPr>
-            <a:picLocks noChangeAspect="1"/>
-          </p:cNvPicPr>
+      <p:sp>
+        <p:nvSpPr>
+          <p:cNvPr id="5" name="TextBox 4">
+            <a:extLst>
+              <a:ext uri="{FF2B5EF4-FFF2-40B4-BE49-F238E27FC236}">
+                <a16:creationId xmlns:a16="http://schemas.microsoft.com/office/drawing/2014/main" id="{E6CE6AA6-80EB-8C01-F85E-8AC049D9BC71}"/>
+              </a:ext>
+            </a:extLst>
+          </p:cNvPr>
+          <p:cNvSpPr txBox="1"/>
           <p:nvPr/>
-        </p:nvPicPr>
-        <p:blipFill>
-          <a:blip r:embed="rId3">
-            <a:extLst>
-              <a:ext uri="{28A0092B-C50C-407E-A947-70E740481C1C}">
-                <a14:useLocalDpi xmlns:a14="http://schemas.microsoft.com/office/drawing/2010/main" val="0"/>
-              </a:ext>
-            </a:extLst>
-          </a:blip>
-          <a:stretch>
-            <a:fillRect/>
-          </a:stretch>
-        </p:blipFill>
-        <p:spPr>
-          <a:xfrm>
-            <a:off x="911503" y="246491"/>
-            <a:ext cx="5036073" cy="6361043"/>
+        </p:nvSpPr>
+        <p:spPr>
+          <a:xfrm>
+            <a:off x="448332" y="207937"/>
+            <a:ext cx="5647668" cy="707886"/>
           </a:xfrm>
           <a:prstGeom prst="rect">
             <a:avLst/>
           </a:prstGeom>
-        </p:spPr>
-      </p:pic>
+          <a:noFill/>
+        </p:spPr>
+        <p:txBody>
+          <a:bodyPr wrap="square" rtlCol="0">
+            <a:spAutoFit/>
+          </a:bodyPr>
+          <a:lstStyle/>
+          <a:p>
+            <a:r>
+              <a:rPr lang="ru-RU" sz="4000" dirty="0">
+                <a:solidFill>
+                  <a:srgbClr val="015C6F"/>
+                </a:solidFill>
+                <a:effectLst/>
+                <a:latin typeface="Calibri" panose="020F0502020204030204" pitchFamily="34" charset="0"/>
+                <a:ea typeface="Calibri" panose="020F0502020204030204" pitchFamily="34" charset="0"/>
+                <a:cs typeface="Times New Roman" panose="02020603050405020304" pitchFamily="18" charset="0"/>
+              </a:rPr>
+              <a:t>Простое уравнение</a:t>
+            </a:r>
+            <a:r>
+              <a:rPr lang="en-US" sz="4000" dirty="0">
+                <a:solidFill>
+                  <a:srgbClr val="015C6F"/>
+                </a:solidFill>
+                <a:effectLst/>
+                <a:latin typeface="Calibri" panose="020F0502020204030204" pitchFamily="34" charset="0"/>
+                <a:ea typeface="Calibri" panose="020F0502020204030204" pitchFamily="34" charset="0"/>
+                <a:cs typeface="Times New Roman" panose="02020603050405020304" pitchFamily="18" charset="0"/>
+              </a:rPr>
+              <a:t>:</a:t>
+            </a:r>
+            <a:endParaRPr lang="ru-RU" sz="4000" dirty="0">
+              <a:solidFill>
+                <a:srgbClr val="015C6F"/>
+              </a:solidFill>
+            </a:endParaRPr>
+          </a:p>
+        </p:txBody>
+      </p:sp>
+      <p:sp>
+        <p:nvSpPr>
+          <p:cNvPr id="6" name="TextBox 5">
+            <a:extLst>
+              <a:ext uri="{FF2B5EF4-FFF2-40B4-BE49-F238E27FC236}">
+                <a16:creationId xmlns:a16="http://schemas.microsoft.com/office/drawing/2014/main" id="{EAFBF1D0-A59A-E969-88B6-8F9EAE58F131}"/>
+              </a:ext>
+            </a:extLst>
+          </p:cNvPr>
+          <p:cNvSpPr txBox="1"/>
+          <p:nvPr/>
+        </p:nvSpPr>
+        <p:spPr>
+          <a:xfrm>
+            <a:off x="371330" y="987584"/>
+            <a:ext cx="4441302" cy="1754326"/>
+          </a:xfrm>
+          <a:prstGeom prst="rect">
+            <a:avLst/>
+          </a:prstGeom>
+          <a:noFill/>
+        </p:spPr>
+        <p:txBody>
+          <a:bodyPr wrap="square" rtlCol="0">
+            <a:spAutoFit/>
+          </a:bodyPr>
+          <a:lstStyle/>
+          <a:p>
+            <a:r>
+              <a:rPr lang="ru-RU" sz="3600" dirty="0">
+                <a:effectLst/>
+                <a:ea typeface="Calibri" panose="020F0502020204030204" pitchFamily="34" charset="0"/>
+                <a:cs typeface="Times New Roman" panose="02020603050405020304" pitchFamily="18" charset="0"/>
+              </a:rPr>
+              <a:t> </a:t>
+            </a:r>
+            <a:r>
+              <a:rPr lang="ru-RU" sz="3600" i="1" dirty="0">
+                <a:effectLst/>
+                <a:ea typeface="Calibri" panose="020F0502020204030204" pitchFamily="34" charset="0"/>
+                <a:cs typeface="Times New Roman" panose="02020603050405020304" pitchFamily="18" charset="0"/>
+              </a:rPr>
+              <a:t>х</a:t>
+            </a:r>
+            <a:r>
+              <a:rPr lang="ru-RU" sz="3600" i="1" dirty="0">
+                <a:effectLst/>
+                <a:ea typeface="Times New Roman" panose="02020603050405020304" pitchFamily="18" charset="0"/>
+              </a:rPr>
+              <a:t> + 5 = 7</a:t>
+            </a:r>
+            <a:br>
+              <a:rPr lang="ru-RU" sz="3600" i="1" dirty="0">
+                <a:effectLst/>
+                <a:ea typeface="Times New Roman" panose="02020603050405020304" pitchFamily="18" charset="0"/>
+              </a:rPr>
+            </a:br>
+            <a:r>
+              <a:rPr lang="en-US" sz="3600" i="1" dirty="0">
+                <a:effectLst/>
+                <a:ea typeface="Times New Roman" panose="02020603050405020304" pitchFamily="18" charset="0"/>
+              </a:rPr>
+              <a:t> x = 7 -5 </a:t>
+            </a:r>
+          </a:p>
+          <a:p>
+            <a:r>
+              <a:rPr lang="en-US" sz="3600" i="1" dirty="0"/>
+              <a:t> x = 2</a:t>
+            </a:r>
+            <a:endParaRPr lang="ru-RU" sz="3600" i="1" dirty="0"/>
+          </a:p>
+        </p:txBody>
+      </p:sp>
+      <p:sp>
+        <p:nvSpPr>
+          <p:cNvPr id="7" name="TextBox 6">
+            <a:extLst>
+              <a:ext uri="{FF2B5EF4-FFF2-40B4-BE49-F238E27FC236}">
+                <a16:creationId xmlns:a16="http://schemas.microsoft.com/office/drawing/2014/main" id="{0C372BE3-8421-59EA-B5DB-C3819D9B9B93}"/>
+              </a:ext>
+            </a:extLst>
+          </p:cNvPr>
+          <p:cNvSpPr txBox="1"/>
+          <p:nvPr/>
+        </p:nvSpPr>
+        <p:spPr>
+          <a:xfrm>
+            <a:off x="6733628" y="2662379"/>
+            <a:ext cx="4441302" cy="3372013"/>
+          </a:xfrm>
+          <a:prstGeom prst="rect">
+            <a:avLst/>
+          </a:prstGeom>
+          <a:noFill/>
+        </p:spPr>
+        <p:txBody>
+          <a:bodyPr wrap="square" rtlCol="0">
+            <a:spAutoFit/>
+          </a:bodyPr>
+          <a:lstStyle/>
+          <a:p>
+            <a:pPr>
+              <a:lnSpc>
+                <a:spcPct val="120000"/>
+              </a:lnSpc>
+            </a:pPr>
+            <a:r>
+              <a:rPr lang="en-US" sz="3600" i="1" dirty="0">
+                <a:effectLst/>
+                <a:ea typeface="Calibri" panose="020F0502020204030204" pitchFamily="34" charset="0"/>
+                <a:cs typeface="Times New Roman" panose="02020603050405020304" pitchFamily="18" charset="0"/>
+              </a:rPr>
+              <a:t>x(3 + 1) = 2(x + 2)</a:t>
+            </a:r>
+            <a:endParaRPr lang="ru-RU" sz="3600" i="1" dirty="0">
+              <a:effectLst/>
+              <a:ea typeface="Calibri" panose="020F0502020204030204" pitchFamily="34" charset="0"/>
+              <a:cs typeface="Times New Roman" panose="02020603050405020304" pitchFamily="18" charset="0"/>
+            </a:endParaRPr>
+          </a:p>
+          <a:p>
+            <a:pPr>
+              <a:lnSpc>
+                <a:spcPct val="120000"/>
+              </a:lnSpc>
+            </a:pPr>
+            <a:r>
+              <a:rPr lang="ru-RU" sz="3600" i="1" dirty="0">
+                <a:ea typeface="Calibri" panose="020F0502020204030204" pitchFamily="34" charset="0"/>
+                <a:cs typeface="Times New Roman" panose="02020603050405020304" pitchFamily="18" charset="0"/>
+              </a:rPr>
+              <a:t>3</a:t>
+            </a:r>
+            <a:r>
+              <a:rPr lang="en-US" sz="3600" i="1" dirty="0">
+                <a:ea typeface="Calibri" panose="020F0502020204030204" pitchFamily="34" charset="0"/>
+                <a:cs typeface="Times New Roman" panose="02020603050405020304" pitchFamily="18" charset="0"/>
+              </a:rPr>
+              <a:t>x + x = 2x + 4</a:t>
+            </a:r>
+          </a:p>
+          <a:p>
+            <a:pPr>
+              <a:lnSpc>
+                <a:spcPct val="120000"/>
+              </a:lnSpc>
+            </a:pPr>
+            <a:r>
+              <a:rPr lang="en-US" sz="3600" i="1" dirty="0">
+                <a:ea typeface="Calibri" panose="020F0502020204030204" pitchFamily="34" charset="0"/>
+                <a:cs typeface="Times New Roman" panose="02020603050405020304" pitchFamily="18" charset="0"/>
+              </a:rPr>
+              <a:t>3x + x - 2x = 4</a:t>
+            </a:r>
+          </a:p>
+          <a:p>
+            <a:pPr>
+              <a:lnSpc>
+                <a:spcPct val="120000"/>
+              </a:lnSpc>
+            </a:pPr>
+            <a:r>
+              <a:rPr lang="en-US" sz="3600" i="1" dirty="0">
+                <a:ea typeface="Calibri" panose="020F0502020204030204" pitchFamily="34" charset="0"/>
+                <a:cs typeface="Times New Roman" panose="02020603050405020304" pitchFamily="18" charset="0"/>
+              </a:rPr>
+              <a:t>2x = 4</a:t>
+            </a:r>
+          </a:p>
+          <a:p>
+            <a:pPr>
+              <a:lnSpc>
+                <a:spcPct val="120000"/>
+              </a:lnSpc>
+            </a:pPr>
+            <a:r>
+              <a:rPr lang="en-US" sz="3600" i="1" dirty="0">
+                <a:ea typeface="Calibri" panose="020F0502020204030204" pitchFamily="34" charset="0"/>
+                <a:cs typeface="Times New Roman" panose="02020603050405020304" pitchFamily="18" charset="0"/>
+              </a:rPr>
+              <a:t>x = 2</a:t>
+            </a:r>
+            <a:endParaRPr lang="ru-RU" sz="3600" i="1" dirty="0"/>
+          </a:p>
+        </p:txBody>
+      </p:sp>
+      <p:sp>
+        <p:nvSpPr>
+          <p:cNvPr id="8" name="TextBox 7">
+            <a:extLst>
+              <a:ext uri="{FF2B5EF4-FFF2-40B4-BE49-F238E27FC236}">
+                <a16:creationId xmlns:a16="http://schemas.microsoft.com/office/drawing/2014/main" id="{972B2AC5-CB01-641B-E566-E46EFB31874B}"/>
+              </a:ext>
+            </a:extLst>
+          </p:cNvPr>
+          <p:cNvSpPr txBox="1"/>
+          <p:nvPr/>
+        </p:nvSpPr>
+        <p:spPr>
+          <a:xfrm>
+            <a:off x="2058962" y="3349350"/>
+            <a:ext cx="4441302" cy="2601353"/>
+          </a:xfrm>
+          <a:prstGeom prst="rect">
+            <a:avLst/>
+          </a:prstGeom>
+          <a:noFill/>
+        </p:spPr>
+        <p:txBody>
+          <a:bodyPr wrap="square" rtlCol="0">
+            <a:spAutoFit/>
+          </a:bodyPr>
+          <a:lstStyle/>
+          <a:p>
+            <a:pPr algn="r">
+              <a:lnSpc>
+                <a:spcPct val="130000"/>
+              </a:lnSpc>
+            </a:pPr>
+            <a:r>
+              <a:rPr lang="ru-RU" sz="3200" i="1" dirty="0">
+                <a:solidFill>
+                  <a:schemeClr val="accent2">
+                    <a:lumMod val="75000"/>
+                  </a:schemeClr>
+                </a:solidFill>
+                <a:latin typeface="Calibri" panose="020F0502020204030204" pitchFamily="34" charset="0"/>
+                <a:ea typeface="Calibri" panose="020F0502020204030204" pitchFamily="34" charset="0"/>
+                <a:cs typeface="Times New Roman" panose="02020603050405020304" pitchFamily="18" charset="0"/>
+              </a:rPr>
+              <a:t>Раскроем скобки</a:t>
+            </a:r>
+            <a:endParaRPr lang="en-US" sz="3200" i="1" dirty="0">
+              <a:solidFill>
+                <a:schemeClr val="accent2">
+                  <a:lumMod val="75000"/>
+                </a:schemeClr>
+              </a:solidFill>
+              <a:latin typeface="Calibri" panose="020F0502020204030204" pitchFamily="34" charset="0"/>
+              <a:ea typeface="Calibri" panose="020F0502020204030204" pitchFamily="34" charset="0"/>
+              <a:cs typeface="Times New Roman" panose="02020603050405020304" pitchFamily="18" charset="0"/>
+            </a:endParaRPr>
+          </a:p>
+          <a:p>
+            <a:pPr algn="r">
+              <a:lnSpc>
+                <a:spcPct val="130000"/>
+              </a:lnSpc>
+            </a:pPr>
+            <a:r>
+              <a:rPr lang="ru-RU" sz="3200" i="1" dirty="0">
+                <a:solidFill>
+                  <a:schemeClr val="accent2">
+                    <a:lumMod val="75000"/>
+                  </a:schemeClr>
+                </a:solidFill>
+              </a:rPr>
+              <a:t>Выполним перенос</a:t>
+            </a:r>
+          </a:p>
+          <a:p>
+            <a:pPr algn="r">
+              <a:lnSpc>
+                <a:spcPct val="130000"/>
+              </a:lnSpc>
+            </a:pPr>
+            <a:r>
+              <a:rPr lang="ru-RU" sz="3200" i="1" dirty="0">
+                <a:solidFill>
+                  <a:schemeClr val="accent2">
+                    <a:lumMod val="75000"/>
+                  </a:schemeClr>
+                </a:solidFill>
+              </a:rPr>
+              <a:t>Упростим</a:t>
+            </a:r>
+          </a:p>
+          <a:p>
+            <a:pPr algn="r">
+              <a:lnSpc>
+                <a:spcPct val="130000"/>
+              </a:lnSpc>
+            </a:pPr>
+            <a:r>
+              <a:rPr lang="ru-RU" sz="3200" i="1" dirty="0">
+                <a:solidFill>
+                  <a:schemeClr val="accent2">
+                    <a:lumMod val="75000"/>
+                  </a:schemeClr>
+                </a:solidFill>
+              </a:rPr>
+              <a:t>Вычислим неизвестное</a:t>
+            </a:r>
+          </a:p>
+        </p:txBody>
+      </p:sp>
+      <p:cxnSp>
+        <p:nvCxnSpPr>
+          <p:cNvPr id="10" name="Прямая соединительная линия 9">
+            <a:extLst>
+              <a:ext uri="{FF2B5EF4-FFF2-40B4-BE49-F238E27FC236}">
+                <a16:creationId xmlns:a16="http://schemas.microsoft.com/office/drawing/2014/main" id="{97C3A1C6-68CF-D3E7-FA35-6355B2796480}"/>
+              </a:ext>
+            </a:extLst>
+          </p:cNvPr>
+          <p:cNvCxnSpPr/>
+          <p:nvPr/>
+        </p:nvCxnSpPr>
+        <p:spPr>
+          <a:xfrm>
+            <a:off x="6516303" y="1944303"/>
+            <a:ext cx="0" cy="4735630"/>
+          </a:xfrm>
+          <a:prstGeom prst="line">
+            <a:avLst/>
+          </a:prstGeom>
+          <a:ln>
+            <a:solidFill>
+              <a:srgbClr val="015C6F"/>
+            </a:solidFill>
+          </a:ln>
+        </p:spPr>
+        <p:style>
+          <a:lnRef idx="3">
+            <a:schemeClr val="accent6"/>
+          </a:lnRef>
+          <a:fillRef idx="0">
+            <a:schemeClr val="accent6"/>
+          </a:fillRef>
+          <a:effectRef idx="2">
+            <a:schemeClr val="accent6"/>
+          </a:effectRef>
+          <a:fontRef idx="minor">
+            <a:schemeClr val="tx1"/>
+          </a:fontRef>
+        </p:style>
+      </p:cxnSp>
     </p:spTree>
     <p:extLst>
       <p:ext uri="{BB962C8B-B14F-4D97-AF65-F5344CB8AC3E}">
-        <p14:creationId xmlns:p14="http://schemas.microsoft.com/office/powerpoint/2010/main" val="501908896"/>
+        <p14:creationId xmlns:p14="http://schemas.microsoft.com/office/powerpoint/2010/main" val="3680403524"/>
       </p:ext>
     </p:extLst>
   </p:cSld>
@@ -4138,6 +4490,134 @@
       </p:grpSpPr>
       <p:sp>
         <p:nvSpPr>
+          <p:cNvPr id="6" name="TextBox 5">
+            <a:extLst>
+              <a:ext uri="{FF2B5EF4-FFF2-40B4-BE49-F238E27FC236}">
+                <a16:creationId xmlns:a16="http://schemas.microsoft.com/office/drawing/2014/main" id="{8413AAAD-597B-BD12-EC90-81BE22F2418F}"/>
+              </a:ext>
+            </a:extLst>
+          </p:cNvPr>
+          <p:cNvSpPr txBox="1"/>
+          <p:nvPr/>
+        </p:nvSpPr>
+        <p:spPr>
+          <a:xfrm>
+            <a:off x="6445230" y="158124"/>
+            <a:ext cx="5647668" cy="707886"/>
+          </a:xfrm>
+          <a:prstGeom prst="rect">
+            <a:avLst/>
+          </a:prstGeom>
+          <a:noFill/>
+        </p:spPr>
+        <p:txBody>
+          <a:bodyPr wrap="square" rtlCol="0">
+            <a:spAutoFit/>
+          </a:bodyPr>
+          <a:lstStyle/>
+          <a:p>
+            <a:r>
+              <a:rPr lang="ru-RU" sz="4000" dirty="0">
+                <a:solidFill>
+                  <a:srgbClr val="015C6F"/>
+                </a:solidFill>
+                <a:effectLst/>
+                <a:latin typeface="Calibri" panose="020F0502020204030204" pitchFamily="34" charset="0"/>
+                <a:ea typeface="Calibri" panose="020F0502020204030204" pitchFamily="34" charset="0"/>
+                <a:cs typeface="Times New Roman" panose="02020603050405020304" pitchFamily="18" charset="0"/>
+              </a:rPr>
+              <a:t>Блок схема алгоритма</a:t>
+            </a:r>
+            <a:endParaRPr lang="ru-RU" sz="4000" dirty="0">
+              <a:solidFill>
+                <a:srgbClr val="015C6F"/>
+              </a:solidFill>
+            </a:endParaRPr>
+          </a:p>
+        </p:txBody>
+      </p:sp>
+      <p:pic>
+        <p:nvPicPr>
+          <p:cNvPr id="3" name="Рисунок 2">
+            <a:extLst>
+              <a:ext uri="{FF2B5EF4-FFF2-40B4-BE49-F238E27FC236}">
+                <a16:creationId xmlns:a16="http://schemas.microsoft.com/office/drawing/2014/main" id="{8160F4B6-8BAB-1BB3-80C8-108B45047B93}"/>
+              </a:ext>
+            </a:extLst>
+          </p:cNvPr>
+          <p:cNvPicPr>
+            <a:picLocks noChangeAspect="1"/>
+          </p:cNvPicPr>
+          <p:nvPr/>
+        </p:nvPicPr>
+        <p:blipFill>
+          <a:blip r:embed="rId3">
+            <a:extLst>
+              <a:ext uri="{28A0092B-C50C-407E-A947-70E740481C1C}">
+                <a14:useLocalDpi xmlns:a14="http://schemas.microsoft.com/office/drawing/2010/main" val="0"/>
+              </a:ext>
+            </a:extLst>
+          </a:blip>
+          <a:stretch>
+            <a:fillRect/>
+          </a:stretch>
+        </p:blipFill>
+        <p:spPr>
+          <a:xfrm>
+            <a:off x="911503" y="246491"/>
+            <a:ext cx="5036073" cy="6361043"/>
+          </a:xfrm>
+          <a:prstGeom prst="rect">
+            <a:avLst/>
+          </a:prstGeom>
+        </p:spPr>
+      </p:pic>
+    </p:spTree>
+    <p:extLst>
+      <p:ext uri="{BB962C8B-B14F-4D97-AF65-F5344CB8AC3E}">
+        <p14:creationId xmlns:p14="http://schemas.microsoft.com/office/powerpoint/2010/main" val="501908896"/>
+      </p:ext>
+    </p:extLst>
+  </p:cSld>
+  <p:clrMapOvr>
+    <a:masterClrMapping/>
+  </p:clrMapOvr>
+</p:sld>
+</file>
+
+<file path=ppt/slides/slide5.xml><?xml version="1.0" encoding="utf-8"?>
+<p:sld xmlns:a="http://schemas.openxmlformats.org/drawingml/2006/main" xmlns:r="http://schemas.openxmlformats.org/officeDocument/2006/relationships" xmlns:p="http://schemas.openxmlformats.org/presentationml/2006/main">
+  <p:cSld>
+    <p:bg>
+      <p:bgPr>
+        <a:blipFill dpi="0" rotWithShape="1">
+          <a:blip r:embed="rId2">
+            <a:lum/>
+          </a:blip>
+          <a:srcRect/>
+          <a:stretch>
+            <a:fillRect l="-1000" r="-1000"/>
+          </a:stretch>
+        </a:blipFill>
+        <a:effectLst/>
+      </p:bgPr>
+    </p:bg>
+    <p:spTree>
+      <p:nvGrpSpPr>
+        <p:cNvPr id="1" name=""/>
+        <p:cNvGrpSpPr/>
+        <p:nvPr/>
+      </p:nvGrpSpPr>
+      <p:grpSpPr>
+        <a:xfrm>
+          <a:off x="0" y="0"/>
+          <a:ext cx="0" cy="0"/>
+          <a:chOff x="0" y="0"/>
+          <a:chExt cx="0" cy="0"/>
+        </a:xfrm>
+      </p:grpSpPr>
+      <p:sp>
+        <p:nvSpPr>
           <p:cNvPr id="4" name="TextBox 3">
             <a:extLst>
               <a:ext uri="{FF2B5EF4-FFF2-40B4-BE49-F238E27FC236}">
@@ -4760,7 +5240,7 @@
 </p:sld>
 </file>
 
-<file path=ppt/slides/slide5.xml><?xml version="1.0" encoding="utf-8"?>
+<file path=ppt/slides/slide6.xml><?xml version="1.0" encoding="utf-8"?>
 <p:sld xmlns:a="http://schemas.openxmlformats.org/drawingml/2006/main" xmlns:r="http://schemas.openxmlformats.org/officeDocument/2006/relationships" xmlns:p="http://schemas.openxmlformats.org/presentationml/2006/main">
   <p:cSld>
     <p:bg>
@@ -5807,7 +6287,7 @@
 </p:sld>
 </file>
 
-<file path=ppt/slides/slide6.xml><?xml version="1.0" encoding="utf-8"?>
+<file path=ppt/slides/slide7.xml><?xml version="1.0" encoding="utf-8"?>
 <p:sld xmlns:a="http://schemas.openxmlformats.org/drawingml/2006/main" xmlns:r="http://schemas.openxmlformats.org/officeDocument/2006/relationships" xmlns:p="http://schemas.openxmlformats.org/presentationml/2006/main">
   <p:cSld>
     <p:bg>
@@ -6111,7 +6591,7 @@
 </p:sld>
 </file>
 
-<file path=ppt/slides/slide7.xml><?xml version="1.0" encoding="utf-8"?>
+<file path=ppt/slides/slide8.xml><?xml version="1.0" encoding="utf-8"?>
 <p:sld xmlns:a="http://schemas.openxmlformats.org/drawingml/2006/main" xmlns:r="http://schemas.openxmlformats.org/officeDocument/2006/relationships" xmlns:p="http://schemas.openxmlformats.org/presentationml/2006/main">
   <p:cSld>
     <p:bg>
@@ -6296,7 +6776,7 @@
 </p:sld>
 </file>
 
-<file path=ppt/slides/slide8.xml><?xml version="1.0" encoding="utf-8"?>
+<file path=ppt/slides/slide9.xml><?xml version="1.0" encoding="utf-8"?>
 <p:sld xmlns:a="http://schemas.openxmlformats.org/drawingml/2006/main" xmlns:r="http://schemas.openxmlformats.org/officeDocument/2006/relationships" xmlns:p="http://schemas.openxmlformats.org/presentationml/2006/main">
   <p:cSld>
     <p:bg>
@@ -6595,104 +7075,6 @@
     <p:extLst>
       <p:ext uri="{BB962C8B-B14F-4D97-AF65-F5344CB8AC3E}">
         <p14:creationId xmlns:p14="http://schemas.microsoft.com/office/powerpoint/2010/main" val="2193701058"/>
-      </p:ext>
-    </p:extLst>
-  </p:cSld>
-  <p:clrMapOvr>
-    <a:masterClrMapping/>
-  </p:clrMapOvr>
-</p:sld>
-</file>
-
-<file path=ppt/slides/slide9.xml><?xml version="1.0" encoding="utf-8"?>
-<p:sld xmlns:a="http://schemas.openxmlformats.org/drawingml/2006/main" xmlns:r="http://schemas.openxmlformats.org/officeDocument/2006/relationships" xmlns:p="http://schemas.openxmlformats.org/presentationml/2006/main">
-  <p:cSld>
-    <p:bg>
-      <p:bgPr>
-        <a:blipFill dpi="0" rotWithShape="1">
-          <a:blip r:embed="rId2">
-            <a:lum/>
-          </a:blip>
-          <a:srcRect/>
-          <a:stretch>
-            <a:fillRect l="-1000" r="-1000"/>
-          </a:stretch>
-        </a:blipFill>
-        <a:effectLst/>
-      </p:bgPr>
-    </p:bg>
-    <p:spTree>
-      <p:nvGrpSpPr>
-        <p:cNvPr id="1" name="">
-          <a:extLst>
-            <a:ext uri="{FF2B5EF4-FFF2-40B4-BE49-F238E27FC236}">
-              <a16:creationId xmlns:a16="http://schemas.microsoft.com/office/drawing/2014/main" id="{603D3152-31D0-1DED-D8ED-5BA5FCFE4A70}"/>
-            </a:ext>
-          </a:extLst>
-        </p:cNvPr>
-        <p:cNvGrpSpPr/>
-        <p:nvPr/>
-      </p:nvGrpSpPr>
-      <p:grpSpPr>
-        <a:xfrm>
-          <a:off x="0" y="0"/>
-          <a:ext cx="0" cy="0"/>
-          <a:chOff x="0" y="0"/>
-          <a:chExt cx="0" cy="0"/>
-        </a:xfrm>
-      </p:grpSpPr>
-      <p:sp>
-        <p:nvSpPr>
-          <p:cNvPr id="6" name="TextBox 5">
-            <a:extLst>
-              <a:ext uri="{FF2B5EF4-FFF2-40B4-BE49-F238E27FC236}">
-                <a16:creationId xmlns:a16="http://schemas.microsoft.com/office/drawing/2014/main" id="{D593AA1A-DB38-6062-B10C-28696AFBF1EE}"/>
-              </a:ext>
-            </a:extLst>
-          </p:cNvPr>
-          <p:cNvSpPr txBox="1"/>
-          <p:nvPr/>
-        </p:nvSpPr>
-        <p:spPr>
-          <a:xfrm>
-            <a:off x="2627652" y="2182453"/>
-            <a:ext cx="9183348" cy="923330"/>
-          </a:xfrm>
-          <a:prstGeom prst="rect">
-            <a:avLst/>
-          </a:prstGeom>
-          <a:noFill/>
-        </p:spPr>
-        <p:txBody>
-          <a:bodyPr wrap="square" rtlCol="0">
-            <a:spAutoFit/>
-          </a:bodyPr>
-          <a:lstStyle/>
-          <a:p>
-            <a:r>
-              <a:rPr lang="ru-RU" sz="5400" dirty="0">
-                <a:solidFill>
-                  <a:srgbClr val="015C6F"/>
-                </a:solidFill>
-                <a:effectLst/>
-                <a:latin typeface="Calibri" panose="020F0502020204030204" pitchFamily="34" charset="0"/>
-                <a:ea typeface="Calibri" panose="020F0502020204030204" pitchFamily="34" charset="0"/>
-                <a:cs typeface="Times New Roman" panose="02020603050405020304" pitchFamily="18" charset="0"/>
-              </a:rPr>
-              <a:t>Спасибо за внимание</a:t>
-            </a:r>
-            <a:endParaRPr lang="ru-RU" sz="5400" dirty="0">
-              <a:solidFill>
-                <a:srgbClr val="015C6F"/>
-              </a:solidFill>
-            </a:endParaRPr>
-          </a:p>
-        </p:txBody>
-      </p:sp>
-    </p:spTree>
-    <p:extLst>
-      <p:ext uri="{BB962C8B-B14F-4D97-AF65-F5344CB8AC3E}">
-        <p14:creationId xmlns:p14="http://schemas.microsoft.com/office/powerpoint/2010/main" val="3883651228"/>
       </p:ext>
     </p:extLst>
   </p:cSld>

--- a/Презентация.  Тренажер решения уравнения.pptx
+++ b/Презентация.  Тренажер решения уравнения.pptx
@@ -268,7 +268,7 @@
           <a:p>
             <a:fld id="{F8E8F3B0-4B07-478A-ADBD-B4202A2F879F}" type="datetimeFigureOut">
               <a:rPr lang="ru-RU" smtClean="0"/>
-              <a:t>23.01.2025</a:t>
+              <a:t>24.01.2025</a:t>
             </a:fld>
             <a:endParaRPr lang="ru-RU"/>
           </a:p>
@@ -466,7 +466,7 @@
           <a:p>
             <a:fld id="{F8E8F3B0-4B07-478A-ADBD-B4202A2F879F}" type="datetimeFigureOut">
               <a:rPr lang="ru-RU" smtClean="0"/>
-              <a:t>23.01.2025</a:t>
+              <a:t>24.01.2025</a:t>
             </a:fld>
             <a:endParaRPr lang="ru-RU"/>
           </a:p>
@@ -674,7 +674,7 @@
           <a:p>
             <a:fld id="{F8E8F3B0-4B07-478A-ADBD-B4202A2F879F}" type="datetimeFigureOut">
               <a:rPr lang="ru-RU" smtClean="0"/>
-              <a:t>23.01.2025</a:t>
+              <a:t>24.01.2025</a:t>
             </a:fld>
             <a:endParaRPr lang="ru-RU"/>
           </a:p>
@@ -872,7 +872,7 @@
           <a:p>
             <a:fld id="{F8E8F3B0-4B07-478A-ADBD-B4202A2F879F}" type="datetimeFigureOut">
               <a:rPr lang="ru-RU" smtClean="0"/>
-              <a:t>23.01.2025</a:t>
+              <a:t>24.01.2025</a:t>
             </a:fld>
             <a:endParaRPr lang="ru-RU"/>
           </a:p>
@@ -1147,7 +1147,7 @@
           <a:p>
             <a:fld id="{F8E8F3B0-4B07-478A-ADBD-B4202A2F879F}" type="datetimeFigureOut">
               <a:rPr lang="ru-RU" smtClean="0"/>
-              <a:t>23.01.2025</a:t>
+              <a:t>24.01.2025</a:t>
             </a:fld>
             <a:endParaRPr lang="ru-RU"/>
           </a:p>
@@ -1412,7 +1412,7 @@
           <a:p>
             <a:fld id="{F8E8F3B0-4B07-478A-ADBD-B4202A2F879F}" type="datetimeFigureOut">
               <a:rPr lang="ru-RU" smtClean="0"/>
-              <a:t>23.01.2025</a:t>
+              <a:t>24.01.2025</a:t>
             </a:fld>
             <a:endParaRPr lang="ru-RU"/>
           </a:p>
@@ -1824,7 +1824,7 @@
           <a:p>
             <a:fld id="{F8E8F3B0-4B07-478A-ADBD-B4202A2F879F}" type="datetimeFigureOut">
               <a:rPr lang="ru-RU" smtClean="0"/>
-              <a:t>23.01.2025</a:t>
+              <a:t>24.01.2025</a:t>
             </a:fld>
             <a:endParaRPr lang="ru-RU"/>
           </a:p>
@@ -1965,7 +1965,7 @@
           <a:p>
             <a:fld id="{F8E8F3B0-4B07-478A-ADBD-B4202A2F879F}" type="datetimeFigureOut">
               <a:rPr lang="ru-RU" smtClean="0"/>
-              <a:t>23.01.2025</a:t>
+              <a:t>24.01.2025</a:t>
             </a:fld>
             <a:endParaRPr lang="ru-RU"/>
           </a:p>
@@ -2078,7 +2078,7 @@
           <a:p>
             <a:fld id="{F8E8F3B0-4B07-478A-ADBD-B4202A2F879F}" type="datetimeFigureOut">
               <a:rPr lang="ru-RU" smtClean="0"/>
-              <a:t>23.01.2025</a:t>
+              <a:t>24.01.2025</a:t>
             </a:fld>
             <a:endParaRPr lang="ru-RU"/>
           </a:p>
@@ -2389,7 +2389,7 @@
           <a:p>
             <a:fld id="{F8E8F3B0-4B07-478A-ADBD-B4202A2F879F}" type="datetimeFigureOut">
               <a:rPr lang="ru-RU" smtClean="0"/>
-              <a:t>23.01.2025</a:t>
+              <a:t>24.01.2025</a:t>
             </a:fld>
             <a:endParaRPr lang="ru-RU"/>
           </a:p>
@@ -2677,7 +2677,7 @@
           <a:p>
             <a:fld id="{F8E8F3B0-4B07-478A-ADBD-B4202A2F879F}" type="datetimeFigureOut">
               <a:rPr lang="ru-RU" smtClean="0"/>
-              <a:t>23.01.2025</a:t>
+              <a:t>24.01.2025</a:t>
             </a:fld>
             <a:endParaRPr lang="ru-RU"/>
           </a:p>
@@ -2918,7 +2918,7 @@
           <a:p>
             <a:fld id="{F8E8F3B0-4B07-478A-ADBD-B4202A2F879F}" type="datetimeFigureOut">
               <a:rPr lang="ru-RU" smtClean="0"/>
-              <a:t>23.01.2025</a:t>
+              <a:t>24.01.2025</a:t>
             </a:fld>
             <a:endParaRPr lang="ru-RU"/>
           </a:p>
@@ -4215,17 +4215,11 @@
             </a:pPr>
             <a:r>
               <a:rPr lang="en-US" sz="3600" i="1" dirty="0">
-                <a:effectLst/>
                 <a:ea typeface="Calibri" panose="020F0502020204030204" pitchFamily="34" charset="0"/>
                 <a:cs typeface="Times New Roman" panose="02020603050405020304" pitchFamily="18" charset="0"/>
               </a:rPr>
-              <a:t>x(3 + 1) = 2(x + 2)</a:t>
-            </a:r>
-            <a:endParaRPr lang="ru-RU" sz="3600" i="1" dirty="0">
-              <a:effectLst/>
-              <a:ea typeface="Calibri" panose="020F0502020204030204" pitchFamily="34" charset="0"/>
-              <a:cs typeface="Times New Roman" panose="02020603050405020304" pitchFamily="18" charset="0"/>
-            </a:endParaRPr>
+              <a:t>4(x + 1) - 6 = 2(x + 2)</a:t>
+            </a:r>
           </a:p>
           <a:p>
             <a:pPr>
@@ -4234,18 +4228,11 @@
               </a:lnSpc>
             </a:pPr>
             <a:r>
-              <a:rPr lang="ru-RU" sz="3600" i="1" dirty="0">
-                <a:ea typeface="Calibri" panose="020F0502020204030204" pitchFamily="34" charset="0"/>
-                <a:cs typeface="Times New Roman" panose="02020603050405020304" pitchFamily="18" charset="0"/>
-              </a:rPr>
-              <a:t>3</a:t>
-            </a:r>
-            <a:r>
               <a:rPr lang="en-US" sz="3600" i="1" dirty="0">
                 <a:ea typeface="Calibri" panose="020F0502020204030204" pitchFamily="34" charset="0"/>
                 <a:cs typeface="Times New Roman" panose="02020603050405020304" pitchFamily="18" charset="0"/>
               </a:rPr>
-              <a:t>x + x = 2x + 4</a:t>
+              <a:t>4x + 4 - 6 = 2x + 4</a:t>
             </a:r>
           </a:p>
           <a:p>
@@ -4259,7 +4246,7 @@
                 <a:ea typeface="Calibri" panose="020F0502020204030204" pitchFamily="34" charset="0"/>
                 <a:cs typeface="Times New Roman" panose="02020603050405020304" pitchFamily="18" charset="0"/>
               </a:rPr>
-              <a:t>3x + x - 2x = 4</a:t>
+              <a:t>4x - 2x = 4 - 4 + 6</a:t>
             </a:r>
           </a:p>
           <a:p>
@@ -4273,7 +4260,7 @@
                 <a:ea typeface="Calibri" panose="020F0502020204030204" pitchFamily="34" charset="0"/>
                 <a:cs typeface="Times New Roman" panose="02020603050405020304" pitchFamily="18" charset="0"/>
               </a:rPr>
-              <a:t>2x = 4</a:t>
+              <a:t>2x = 6</a:t>
             </a:r>
           </a:p>
           <a:p>
@@ -4283,13 +4270,19 @@
               </a:lnSpc>
             </a:pPr>
             <a:r>
-              <a:rPr lang="en-US" sz="3600" i="1" dirty="0">
-                <a:ea typeface="Calibri" panose="020F0502020204030204" pitchFamily="34" charset="0"/>
-                <a:cs typeface="Times New Roman" panose="02020603050405020304" pitchFamily="18" charset="0"/>
+              <a:rPr lang="en-US" sz="3600" b="0" i="0" dirty="0">
+                <a:solidFill>
+                  <a:srgbClr val="000000"/>
+                </a:solidFill>
+                <a:effectLst/>
+                <a:latin typeface="system-ui"/>
               </a:rPr>
-              <a:t>x = 2</a:t>
-            </a:r>
-            <a:endParaRPr lang="ru-RU" sz="3600" i="1" dirty="0"/>
+              <a:t>x = 3</a:t>
+            </a:r>
+            <a:endParaRPr lang="en-US" sz="3600" i="1" dirty="0">
+              <a:ea typeface="Calibri" panose="020F0502020204030204" pitchFamily="34" charset="0"/>
+              <a:cs typeface="Times New Roman" panose="02020603050405020304" pitchFamily="18" charset="0"/>
+            </a:endParaRPr>
           </a:p>
         </p:txBody>
       </p:sp>

--- a/Презентация.  Тренажер решения уравнения.pptx
+++ b/Презентация.  Тренажер решения уравнения.pptx
@@ -3411,8 +3411,8 @@
         </p:nvSpPr>
         <p:spPr>
           <a:xfrm>
-            <a:off x="8939731" y="5899618"/>
-            <a:ext cx="2845523" cy="707886"/>
+            <a:off x="8587467" y="5001121"/>
+            <a:ext cx="3452228" cy="1631216"/>
           </a:xfrm>
           <a:prstGeom prst="rect">
             <a:avLst/>
@@ -3432,22 +3432,75 @@
                   <a:schemeClr val="bg1"/>
                 </a:solidFill>
               </a:rPr>
-              <a:t>Сойчик Аливия</a:t>
-            </a:r>
-            <a:br>
+              <a:t>Работа </a:t>
+            </a:r>
+          </a:p>
+          <a:p>
+            <a:pPr algn="r"/>
+            <a:r>
               <a:rPr lang="ru-RU" sz="2000" dirty="0">
                 <a:solidFill>
                   <a:schemeClr val="bg1"/>
                 </a:solidFill>
               </a:rPr>
-            </a:br>
+              <a:t>Ученицы 5 класса «Э»</a:t>
+            </a:r>
+          </a:p>
+          <a:p>
+            <a:pPr algn="r"/>
+            <a:r>
+              <a:rPr lang="ru-RU" sz="2000" dirty="0" err="1">
+                <a:solidFill>
+                  <a:schemeClr val="bg1"/>
+                </a:solidFill>
+              </a:rPr>
+              <a:t>Сойчик</a:t>
+            </a:r>
             <a:r>
               <a:rPr lang="ru-RU" sz="2000" dirty="0">
                 <a:solidFill>
                   <a:schemeClr val="bg1"/>
                 </a:solidFill>
               </a:rPr>
-              <a:t>Школа 1504, 5 «Э» класс</a:t>
+              <a:t> </a:t>
+            </a:r>
+            <a:r>
+              <a:rPr lang="ru-RU" sz="2000" dirty="0" err="1">
+                <a:solidFill>
+                  <a:schemeClr val="bg1"/>
+                </a:solidFill>
+              </a:rPr>
+              <a:t>Аливии</a:t>
+            </a:r>
+            <a:r>
+              <a:rPr lang="ru-RU" sz="2000" dirty="0">
+                <a:solidFill>
+                  <a:schemeClr val="bg1"/>
+                </a:solidFill>
+              </a:rPr>
+              <a:t> Николаевны </a:t>
+            </a:r>
+          </a:p>
+          <a:p>
+            <a:pPr algn="r"/>
+            <a:r>
+              <a:rPr lang="ru-RU" sz="2000" dirty="0">
+                <a:solidFill>
+                  <a:schemeClr val="bg1"/>
+                </a:solidFill>
+              </a:rPr>
+              <a:t>Руководитель проекта</a:t>
+            </a:r>
+          </a:p>
+          <a:p>
+            <a:pPr algn="r"/>
+            <a:r>
+              <a:rPr lang="ru-RU" sz="2000" dirty="0">
+                <a:solidFill>
+                  <a:schemeClr val="bg1"/>
+                </a:solidFill>
+              </a:rPr>
+              <a:t>Твердохлеб Юлия Алексеевна</a:t>
             </a:r>
           </a:p>
         </p:txBody>

--- a/Презентация.  Тренажер решения уравнения.pptx
+++ b/Презентация.  Тренажер решения уравнения.pptx
@@ -3363,7 +3363,7 @@
         </p:nvSpPr>
         <p:spPr>
           <a:xfrm>
-            <a:off x="1564497" y="2293882"/>
+            <a:off x="1607360" y="2562822"/>
             <a:ext cx="9183348" cy="923330"/>
           </a:xfrm>
           <a:prstGeom prst="rect">
@@ -3380,7 +3380,7 @@
             <a:r>
               <a:rPr lang="ru-RU" sz="5400" dirty="0">
                 <a:solidFill>
-                  <a:srgbClr val="015C6F"/>
+                  <a:srgbClr val="013A45"/>
                 </a:solidFill>
                 <a:effectLst/>
                 <a:latin typeface="Calibri" panose="020F0502020204030204" pitchFamily="34" charset="0"/>
@@ -3391,7 +3391,7 @@
             </a:r>
             <a:endParaRPr lang="ru-RU" sz="5400" dirty="0">
               <a:solidFill>
-                <a:srgbClr val="015C6F"/>
+                <a:srgbClr val="013A45"/>
               </a:solidFill>
             </a:endParaRPr>
           </a:p>
@@ -3411,8 +3411,8 @@
         </p:nvSpPr>
         <p:spPr>
           <a:xfrm>
-            <a:off x="8587467" y="5001121"/>
-            <a:ext cx="3452228" cy="1631216"/>
+            <a:off x="7880716" y="3974332"/>
+            <a:ext cx="4101829" cy="1938992"/>
           </a:xfrm>
           <a:prstGeom prst="rect">
             <a:avLst/>
@@ -3427,7 +3427,7 @@
           <a:p>
             <a:pPr algn="r"/>
             <a:r>
-              <a:rPr lang="ru-RU" sz="2000" dirty="0">
+              <a:rPr lang="ru-RU" sz="2400" dirty="0">
                 <a:solidFill>
                   <a:schemeClr val="bg1"/>
                 </a:solidFill>
@@ -3438,7 +3438,7 @@
           <a:p>
             <a:pPr algn="r"/>
             <a:r>
-              <a:rPr lang="ru-RU" sz="2000" dirty="0">
+              <a:rPr lang="ru-RU" sz="2400" dirty="0">
                 <a:solidFill>
                   <a:schemeClr val="bg1"/>
                 </a:solidFill>
@@ -3449,7 +3449,7 @@
           <a:p>
             <a:pPr algn="r"/>
             <a:r>
-              <a:rPr lang="ru-RU" sz="2000" dirty="0" err="1">
+              <a:rPr lang="ru-RU" sz="2400" dirty="0" err="1">
                 <a:solidFill>
                   <a:schemeClr val="bg1"/>
                 </a:solidFill>
@@ -3457,7 +3457,7 @@
               <a:t>Сойчик</a:t>
             </a:r>
             <a:r>
-              <a:rPr lang="ru-RU" sz="2000" dirty="0">
+              <a:rPr lang="ru-RU" sz="2400" dirty="0">
                 <a:solidFill>
                   <a:schemeClr val="bg1"/>
                 </a:solidFill>
@@ -3465,7 +3465,7 @@
               <a:t> </a:t>
             </a:r>
             <a:r>
-              <a:rPr lang="ru-RU" sz="2000" dirty="0" err="1">
+              <a:rPr lang="ru-RU" sz="2400" dirty="0" err="1">
                 <a:solidFill>
                   <a:schemeClr val="bg1"/>
                 </a:solidFill>
@@ -3473,7 +3473,7 @@
               <a:t>Аливии</a:t>
             </a:r>
             <a:r>
-              <a:rPr lang="ru-RU" sz="2000" dirty="0">
+              <a:rPr lang="ru-RU" sz="2400" dirty="0">
                 <a:solidFill>
                   <a:schemeClr val="bg1"/>
                 </a:solidFill>
@@ -3484,7 +3484,7 @@
           <a:p>
             <a:pPr algn="r"/>
             <a:r>
-              <a:rPr lang="ru-RU" sz="2000" dirty="0">
+              <a:rPr lang="ru-RU" sz="2400" dirty="0">
                 <a:solidFill>
                   <a:schemeClr val="bg1"/>
                 </a:solidFill>
@@ -3495,12 +3495,130 @@
           <a:p>
             <a:pPr algn="r"/>
             <a:r>
-              <a:rPr lang="ru-RU" sz="2000" dirty="0">
+              <a:rPr lang="ru-RU" sz="2400" dirty="0">
                 <a:solidFill>
                   <a:schemeClr val="bg1"/>
                 </a:solidFill>
               </a:rPr>
               <a:t>Твердохлеб Юлия Алексеевна</a:t>
+            </a:r>
+          </a:p>
+        </p:txBody>
+      </p:sp>
+      <p:sp>
+        <p:nvSpPr>
+          <p:cNvPr id="2" name="TextBox 1">
+            <a:extLst>
+              <a:ext uri="{FF2B5EF4-FFF2-40B4-BE49-F238E27FC236}">
+                <a16:creationId xmlns:a16="http://schemas.microsoft.com/office/drawing/2014/main" id="{0E0798FA-EBF4-F8FC-4C2E-79212FCC0840}"/>
+              </a:ext>
+            </a:extLst>
+          </p:cNvPr>
+          <p:cNvSpPr txBox="1"/>
+          <p:nvPr/>
+        </p:nvSpPr>
+        <p:spPr>
+          <a:xfrm>
+            <a:off x="1607360" y="225663"/>
+            <a:ext cx="9183348" cy="1569660"/>
+          </a:xfrm>
+          <a:prstGeom prst="rect">
+            <a:avLst/>
+          </a:prstGeom>
+          <a:noFill/>
+        </p:spPr>
+        <p:txBody>
+          <a:bodyPr wrap="square" rtlCol="0">
+            <a:spAutoFit/>
+          </a:bodyPr>
+          <a:lstStyle/>
+          <a:p>
+            <a:pPr algn="ctr"/>
+            <a:r>
+              <a:rPr lang="ru-RU" sz="2400" dirty="0">
+                <a:solidFill>
+                  <a:srgbClr val="013A45"/>
+                </a:solidFill>
+                <a:effectLst/>
+                <a:latin typeface="Calibri" panose="020F0502020204030204" pitchFamily="34" charset="0"/>
+                <a:ea typeface="Calibri" panose="020F0502020204030204" pitchFamily="34" charset="0"/>
+                <a:cs typeface="Times New Roman" panose="02020603050405020304" pitchFamily="18" charset="0"/>
+              </a:rPr>
+              <a:t>ДЕПАРТАМЕНТ ОБРАЗОВАНИЯ ГОРОДА МОСКВЫ</a:t>
+            </a:r>
+          </a:p>
+          <a:p>
+            <a:pPr algn="ctr"/>
+            <a:r>
+              <a:rPr lang="ru-RU" sz="2400" dirty="0">
+                <a:solidFill>
+                  <a:srgbClr val="013A45"/>
+                </a:solidFill>
+                <a:effectLst/>
+                <a:latin typeface="Calibri" panose="020F0502020204030204" pitchFamily="34" charset="0"/>
+                <a:ea typeface="Calibri" panose="020F0502020204030204" pitchFamily="34" charset="0"/>
+                <a:cs typeface="Times New Roman" panose="02020603050405020304" pitchFamily="18" charset="0"/>
+              </a:rPr>
+              <a:t>ГОСУДАРСТВЕННОЕ БЮДЖЕТНОЕ ОБЩЕОБРАЗОВАТЕЛЬНОЕ УЧРЕЖДЕНИЕ ГОРОДА МОСКВЫ</a:t>
+            </a:r>
+          </a:p>
+          <a:p>
+            <a:pPr algn="ctr"/>
+            <a:r>
+              <a:rPr lang="ru-RU" sz="2400" dirty="0">
+                <a:solidFill>
+                  <a:srgbClr val="013A45"/>
+                </a:solidFill>
+                <a:effectLst/>
+                <a:latin typeface="Calibri" panose="020F0502020204030204" pitchFamily="34" charset="0"/>
+                <a:ea typeface="Calibri" panose="020F0502020204030204" pitchFamily="34" charset="0"/>
+                <a:cs typeface="Times New Roman" panose="02020603050405020304" pitchFamily="18" charset="0"/>
+              </a:rPr>
+              <a:t>«ШКОЛА № 1504»</a:t>
+            </a:r>
+          </a:p>
+        </p:txBody>
+      </p:sp>
+      <p:sp>
+        <p:nvSpPr>
+          <p:cNvPr id="3" name="TextBox 2">
+            <a:extLst>
+              <a:ext uri="{FF2B5EF4-FFF2-40B4-BE49-F238E27FC236}">
+                <a16:creationId xmlns:a16="http://schemas.microsoft.com/office/drawing/2014/main" id="{E2495C69-FF2E-4AA5-4A0D-B38BDBBE8839}"/>
+              </a:ext>
+            </a:extLst>
+          </p:cNvPr>
+          <p:cNvSpPr txBox="1"/>
+          <p:nvPr/>
+        </p:nvSpPr>
+        <p:spPr>
+          <a:xfrm>
+            <a:off x="3400426" y="6463060"/>
+            <a:ext cx="3984218" cy="338554"/>
+          </a:xfrm>
+          <a:prstGeom prst="rect">
+            <a:avLst/>
+          </a:prstGeom>
+          <a:noFill/>
+        </p:spPr>
+        <p:txBody>
+          <a:bodyPr wrap="square" rtlCol="0">
+            <a:spAutoFit/>
+          </a:bodyPr>
+          <a:lstStyle/>
+          <a:p>
+            <a:pPr algn="ctr"/>
+            <a:r>
+              <a:rPr lang="ru-RU" sz="1600" dirty="0">
+                <a:solidFill>
+                  <a:srgbClr val="013A45"/>
+                </a:solidFill>
+                <a:effectLst/>
+                <a:latin typeface="Calibri" panose="020F0502020204030204" pitchFamily="34" charset="0"/>
+                <a:ea typeface="Calibri" panose="020F0502020204030204" pitchFamily="34" charset="0"/>
+                <a:cs typeface="Times New Roman" panose="02020603050405020304" pitchFamily="18" charset="0"/>
+              </a:rPr>
+              <a:t>Москва, 2024-2025</a:t>
             </a:r>
           </a:p>
         </p:txBody>

--- a/Презентация.  Тренажер решения уравнения.pptx
+++ b/Презентация.  Тренажер решения уравнения.pptx
@@ -4339,7 +4339,21 @@
                 <a:effectLst/>
                 <a:ea typeface="Times New Roman" panose="02020603050405020304" pitchFamily="18" charset="0"/>
               </a:rPr>
-              <a:t> x = 7 -5 </a:t>
+              <a:t> x = 7 -</a:t>
+            </a:r>
+            <a:r>
+              <a:rPr lang="ru-RU" sz="3600" i="1" dirty="0">
+                <a:effectLst/>
+                <a:ea typeface="Times New Roman" panose="02020603050405020304" pitchFamily="18" charset="0"/>
+              </a:rPr>
+              <a:t> </a:t>
+            </a:r>
+            <a:r>
+              <a:rPr lang="en-US" sz="3600" i="1" dirty="0">
+                <a:effectLst/>
+                <a:ea typeface="Times New Roman" panose="02020603050405020304" pitchFamily="18" charset="0"/>
+              </a:rPr>
+              <a:t>5 </a:t>
             </a:r>
           </a:p>
           <a:p>
@@ -7101,7 +7115,7 @@
         </p:blipFill>
         <p:spPr bwMode="auto">
           <a:xfrm>
-            <a:off x="6154749" y="3039386"/>
+            <a:off x="6096000" y="3333588"/>
             <a:ext cx="4658936" cy="2470813"/>
           </a:xfrm>
           <a:prstGeom prst="rect">
@@ -7133,8 +7147,8 @@
         </p:nvSpPr>
         <p:spPr>
           <a:xfrm>
-            <a:off x="1666981" y="3905460"/>
-            <a:ext cx="2783904" cy="369332"/>
+            <a:off x="973374" y="3921362"/>
+            <a:ext cx="4369904" cy="1477328"/>
           </a:xfrm>
           <a:prstGeom prst="rect">
             <a:avLst/>
@@ -7142,7 +7156,7 @@
           <a:noFill/>
         </p:spPr>
         <p:txBody>
-          <a:bodyPr wrap="none" rtlCol="0">
+          <a:bodyPr wrap="square" rtlCol="0">
             <a:spAutoFit/>
           </a:bodyPr>
           <a:lstStyle/>
@@ -7150,82 +7164,91 @@
             <a:r>
               <a:rPr lang="ru-RU" sz="1800" dirty="0">
                 <a:solidFill>
-                  <a:srgbClr val="015C6F"/>
+                  <a:schemeClr val="accent2">
+                    <a:lumMod val="50000"/>
+                  </a:schemeClr>
                 </a:solidFill>
                 <a:effectLst/>
                 <a:latin typeface="Times New Roman" panose="02020603050405020304" pitchFamily="18" charset="0"/>
                 <a:ea typeface="Calibri" panose="020F0502020204030204" pitchFamily="34" charset="0"/>
               </a:rPr>
-              <a:t>Для кого </a:t>
-            </a:r>
-            <a:r>
-              <a:rPr lang="en-US" sz="1800" dirty="0">
+              <a:t>Приложение </a:t>
+            </a:r>
+            <a:r>
+              <a:rPr lang="ru-RU" dirty="0">
                 <a:solidFill>
-                  <a:srgbClr val="015C6F"/>
+                  <a:schemeClr val="accent2">
+                    <a:lumMod val="50000"/>
+                  </a:schemeClr>
+                </a:solidFill>
+                <a:latin typeface="Times New Roman" panose="02020603050405020304" pitchFamily="18" charset="0"/>
+                <a:ea typeface="Calibri" panose="020F0502020204030204" pitchFamily="34" charset="0"/>
+              </a:rPr>
+              <a:t>может </a:t>
+            </a:r>
+            <a:r>
+              <a:rPr lang="ru-RU" sz="1800" dirty="0">
+                <a:solidFill>
+                  <a:schemeClr val="accent2">
+                    <a:lumMod val="50000"/>
+                  </a:schemeClr>
                 </a:solidFill>
                 <a:effectLst/>
                 <a:latin typeface="Times New Roman" panose="02020603050405020304" pitchFamily="18" charset="0"/>
                 <a:ea typeface="Calibri" panose="020F0502020204030204" pitchFamily="34" charset="0"/>
               </a:rPr>
-              <a:t>Web</a:t>
-            </a:r>
+              <a:t>иметь практическое применение для школьников 5-7 классов, для изучения алгоритма решения линейных уравнений и как помощник для их решения в будущем.</a:t>
+            </a:r>
+            <a:endParaRPr lang="ru-RU" dirty="0">
+              <a:solidFill>
+                <a:schemeClr val="accent2">
+                  <a:lumMod val="50000"/>
+                </a:schemeClr>
+              </a:solidFill>
+            </a:endParaRPr>
+          </a:p>
+        </p:txBody>
+      </p:sp>
+      <p:sp>
+        <p:nvSpPr>
+          <p:cNvPr id="3" name="TextBox 2">
+            <a:extLst>
+              <a:ext uri="{FF2B5EF4-FFF2-40B4-BE49-F238E27FC236}">
+                <a16:creationId xmlns:a16="http://schemas.microsoft.com/office/drawing/2014/main" id="{2D6539E3-5342-2823-0FF3-1B38746669BB}"/>
+              </a:ext>
+            </a:extLst>
+          </p:cNvPr>
+          <p:cNvSpPr txBox="1"/>
+          <p:nvPr/>
+        </p:nvSpPr>
+        <p:spPr>
+          <a:xfrm>
+            <a:off x="6096000" y="2228671"/>
+            <a:ext cx="4328160" cy="923330"/>
+          </a:xfrm>
+          <a:prstGeom prst="rect">
+            <a:avLst/>
+          </a:prstGeom>
+          <a:noFill/>
+        </p:spPr>
+        <p:txBody>
+          <a:bodyPr wrap="square" rtlCol="0">
+            <a:spAutoFit/>
+          </a:bodyPr>
+          <a:lstStyle/>
+          <a:p>
             <a:r>
               <a:rPr lang="ru-RU" sz="1800" dirty="0">
                 <a:solidFill>
-                  <a:srgbClr val="015C6F"/>
+                  <a:schemeClr val="accent2">
+                    <a:lumMod val="50000"/>
+                  </a:schemeClr>
                 </a:solidFill>
                 <a:effectLst/>
                 <a:latin typeface="Times New Roman" panose="02020603050405020304" pitchFamily="18" charset="0"/>
                 <a:ea typeface="Calibri" panose="020F0502020204030204" pitchFamily="34" charset="0"/>
               </a:rPr>
-              <a:t>-приложение</a:t>
-            </a:r>
-            <a:endParaRPr lang="ru-RU" dirty="0">
-              <a:solidFill>
-                <a:srgbClr val="015C6F"/>
-              </a:solidFill>
-            </a:endParaRPr>
-          </a:p>
-        </p:txBody>
-      </p:sp>
-      <p:sp>
-        <p:nvSpPr>
-          <p:cNvPr id="3" name="TextBox 2">
-            <a:extLst>
-              <a:ext uri="{FF2B5EF4-FFF2-40B4-BE49-F238E27FC236}">
-                <a16:creationId xmlns:a16="http://schemas.microsoft.com/office/drawing/2014/main" id="{2D6539E3-5342-2823-0FF3-1B38746669BB}"/>
-              </a:ext>
-            </a:extLst>
-          </p:cNvPr>
-          <p:cNvSpPr txBox="1"/>
-          <p:nvPr/>
-        </p:nvSpPr>
-        <p:spPr>
-          <a:xfrm>
-            <a:off x="7915546" y="5510199"/>
-            <a:ext cx="1566711" cy="369332"/>
-          </a:xfrm>
-          <a:prstGeom prst="rect">
-            <a:avLst/>
-          </a:prstGeom>
-          <a:noFill/>
-        </p:spPr>
-        <p:txBody>
-          <a:bodyPr wrap="none" rtlCol="0">
-            <a:spAutoFit/>
-          </a:bodyPr>
-          <a:lstStyle/>
-          <a:p>
-            <a:r>
-              <a:rPr lang="ru-RU" sz="1800" dirty="0">
-                <a:solidFill>
-                  <a:srgbClr val="015C6F"/>
-                </a:solidFill>
-                <a:effectLst/>
-                <a:latin typeface="Times New Roman" panose="02020603050405020304" pitchFamily="18" charset="0"/>
-                <a:ea typeface="Calibri" panose="020F0502020204030204" pitchFamily="34" charset="0"/>
-              </a:rPr>
-              <a:t>Новые версии</a:t>
+              <a:t>В процессе тестирования были выявлены моменты, которые можно улучшить в следующих версиях.</a:t>
             </a:r>
             <a:endParaRPr lang="ru-RU" dirty="0">
               <a:solidFill>

--- a/Презентация.  Тренажер решения уравнения.pptx
+++ b/Презентация.  Тренажер решения уравнения.pptx
@@ -268,7 +268,7 @@
           <a:p>
             <a:fld id="{F8E8F3B0-4B07-478A-ADBD-B4202A2F879F}" type="datetimeFigureOut">
               <a:rPr lang="ru-RU" smtClean="0"/>
-              <a:t>24.01.2025</a:t>
+              <a:t>25.01.2025</a:t>
             </a:fld>
             <a:endParaRPr lang="ru-RU"/>
           </a:p>
@@ -466,7 +466,7 @@
           <a:p>
             <a:fld id="{F8E8F3B0-4B07-478A-ADBD-B4202A2F879F}" type="datetimeFigureOut">
               <a:rPr lang="ru-RU" smtClean="0"/>
-              <a:t>24.01.2025</a:t>
+              <a:t>25.01.2025</a:t>
             </a:fld>
             <a:endParaRPr lang="ru-RU"/>
           </a:p>
@@ -674,7 +674,7 @@
           <a:p>
             <a:fld id="{F8E8F3B0-4B07-478A-ADBD-B4202A2F879F}" type="datetimeFigureOut">
               <a:rPr lang="ru-RU" smtClean="0"/>
-              <a:t>24.01.2025</a:t>
+              <a:t>25.01.2025</a:t>
             </a:fld>
             <a:endParaRPr lang="ru-RU"/>
           </a:p>
@@ -872,7 +872,7 @@
           <a:p>
             <a:fld id="{F8E8F3B0-4B07-478A-ADBD-B4202A2F879F}" type="datetimeFigureOut">
               <a:rPr lang="ru-RU" smtClean="0"/>
-              <a:t>24.01.2025</a:t>
+              <a:t>25.01.2025</a:t>
             </a:fld>
             <a:endParaRPr lang="ru-RU"/>
           </a:p>
@@ -1147,7 +1147,7 @@
           <a:p>
             <a:fld id="{F8E8F3B0-4B07-478A-ADBD-B4202A2F879F}" type="datetimeFigureOut">
               <a:rPr lang="ru-RU" smtClean="0"/>
-              <a:t>24.01.2025</a:t>
+              <a:t>25.01.2025</a:t>
             </a:fld>
             <a:endParaRPr lang="ru-RU"/>
           </a:p>
@@ -1412,7 +1412,7 @@
           <a:p>
             <a:fld id="{F8E8F3B0-4B07-478A-ADBD-B4202A2F879F}" type="datetimeFigureOut">
               <a:rPr lang="ru-RU" smtClean="0"/>
-              <a:t>24.01.2025</a:t>
+              <a:t>25.01.2025</a:t>
             </a:fld>
             <a:endParaRPr lang="ru-RU"/>
           </a:p>
@@ -1824,7 +1824,7 @@
           <a:p>
             <a:fld id="{F8E8F3B0-4B07-478A-ADBD-B4202A2F879F}" type="datetimeFigureOut">
               <a:rPr lang="ru-RU" smtClean="0"/>
-              <a:t>24.01.2025</a:t>
+              <a:t>25.01.2025</a:t>
             </a:fld>
             <a:endParaRPr lang="ru-RU"/>
           </a:p>
@@ -1965,7 +1965,7 @@
           <a:p>
             <a:fld id="{F8E8F3B0-4B07-478A-ADBD-B4202A2F879F}" type="datetimeFigureOut">
               <a:rPr lang="ru-RU" smtClean="0"/>
-              <a:t>24.01.2025</a:t>
+              <a:t>25.01.2025</a:t>
             </a:fld>
             <a:endParaRPr lang="ru-RU"/>
           </a:p>
@@ -2078,7 +2078,7 @@
           <a:p>
             <a:fld id="{F8E8F3B0-4B07-478A-ADBD-B4202A2F879F}" type="datetimeFigureOut">
               <a:rPr lang="ru-RU" smtClean="0"/>
-              <a:t>24.01.2025</a:t>
+              <a:t>25.01.2025</a:t>
             </a:fld>
             <a:endParaRPr lang="ru-RU"/>
           </a:p>
@@ -2389,7 +2389,7 @@
           <a:p>
             <a:fld id="{F8E8F3B0-4B07-478A-ADBD-B4202A2F879F}" type="datetimeFigureOut">
               <a:rPr lang="ru-RU" smtClean="0"/>
-              <a:t>24.01.2025</a:t>
+              <a:t>25.01.2025</a:t>
             </a:fld>
             <a:endParaRPr lang="ru-RU"/>
           </a:p>
@@ -2677,7 +2677,7 @@
           <a:p>
             <a:fld id="{F8E8F3B0-4B07-478A-ADBD-B4202A2F879F}" type="datetimeFigureOut">
               <a:rPr lang="ru-RU" smtClean="0"/>
-              <a:t>24.01.2025</a:t>
+              <a:t>25.01.2025</a:t>
             </a:fld>
             <a:endParaRPr lang="ru-RU"/>
           </a:p>
@@ -2918,7 +2918,7 @@
           <a:p>
             <a:fld id="{F8E8F3B0-4B07-478A-ADBD-B4202A2F879F}" type="datetimeFigureOut">
               <a:rPr lang="ru-RU" smtClean="0"/>
-              <a:t>24.01.2025</a:t>
+              <a:t>25.01.2025</a:t>
             </a:fld>
             <a:endParaRPr lang="ru-RU"/>
           </a:p>
@@ -7197,7 +7197,33 @@
                 <a:latin typeface="Times New Roman" panose="02020603050405020304" pitchFamily="18" charset="0"/>
                 <a:ea typeface="Calibri" panose="020F0502020204030204" pitchFamily="34" charset="0"/>
               </a:rPr>
-              <a:t>иметь практическое применение для школьников 5-7 классов, для изучения алгоритма решения линейных уравнений и как помощник для их решения в будущем.</a:t>
+              <a:t>иметь практическое применение для школьников </a:t>
+            </a:r>
+            <a:r>
+              <a:rPr lang="ru-RU" sz="1800">
+                <a:solidFill>
+                  <a:schemeClr val="accent2">
+                    <a:lumMod val="50000"/>
+                  </a:schemeClr>
+                </a:solidFill>
+                <a:effectLst/>
+                <a:latin typeface="Times New Roman" panose="02020603050405020304" pitchFamily="18" charset="0"/>
+                <a:ea typeface="Calibri" panose="020F0502020204030204" pitchFamily="34" charset="0"/>
+              </a:rPr>
+              <a:t>5-7 классов </a:t>
+            </a:r>
+            <a:r>
+              <a:rPr lang="ru-RU" sz="1800" dirty="0">
+                <a:solidFill>
+                  <a:schemeClr val="accent2">
+                    <a:lumMod val="50000"/>
+                  </a:schemeClr>
+                </a:solidFill>
+                <a:effectLst/>
+                <a:latin typeface="Times New Roman" panose="02020603050405020304" pitchFamily="18" charset="0"/>
+                <a:ea typeface="Calibri" panose="020F0502020204030204" pitchFamily="34" charset="0"/>
+              </a:rPr>
+              <a:t>для изучения алгоритма решения линейных уравнений и как помощник для их решения в будущем.</a:t>
             </a:r>
             <a:endParaRPr lang="ru-RU" dirty="0">
               <a:solidFill>
